--- a/Explanatory analytics.pptx
+++ b/Explanatory analytics.pptx
@@ -5,7 +5,7 @@
     <p:sldMasterId id="2147483648" r:id="rId1"/>
   </p:sldMasterIdLst>
   <p:notesMasterIdLst>
-    <p:notesMasterId r:id="rId17"/>
+    <p:notesMasterId r:id="rId11"/>
   </p:notesMasterIdLst>
   <p:sldIdLst>
     <p:sldId id="257" r:id="rId2"/>
@@ -17,12 +17,6 @@
     <p:sldId id="263" r:id="rId8"/>
     <p:sldId id="264" r:id="rId9"/>
     <p:sldId id="265" r:id="rId10"/>
-    <p:sldId id="266" r:id="rId11"/>
-    <p:sldId id="267" r:id="rId12"/>
-    <p:sldId id="268" r:id="rId13"/>
-    <p:sldId id="269" r:id="rId14"/>
-    <p:sldId id="270" r:id="rId15"/>
-    <p:sldId id="271" r:id="rId16"/>
   </p:sldIdLst>
   <p:sldSz cx="12192000" cy="6858000"/>
   <p:notesSz cx="6858000" cy="9144000"/>
@@ -121,6 +115,11 @@
       </a:defRPr>
     </a:lvl9pPr>
   </p:defaultTextStyle>
+  <p:extLst>
+    <p:ext uri="{EFAFB233-063F-42B5-8137-9DF3F51BA10A}">
+      <p15:sldGuideLst xmlns:p15="http://schemas.microsoft.com/office/powerpoint/2012/main"/>
+    </p:ext>
+  </p:extLst>
 </p:presentation>
 </file>
 
@@ -206,7 +205,7 @@
           <a:p>
             <a:fld id="{68842421-BAA1-49CE-A160-8B5821AF3898}" type="datetimeFigureOut">
               <a:rPr lang="en-US" smtClean="0"/>
-              <a:t>6/2/2020</a:t>
+              <a:t>6/4/2020</a:t>
             </a:fld>
             <a:endParaRPr lang="en-US"/>
           </a:p>
@@ -564,186 +563,6 @@
 </p:notes>
 </file>
 
-<file path=ppt/notesSlides/notesSlide10.xml><?xml version="1.0" encoding="utf-8"?>
-<p:notes xmlns:a="http://schemas.openxmlformats.org/drawingml/2006/main" xmlns:r="http://schemas.openxmlformats.org/officeDocument/2006/relationships" xmlns:p="http://schemas.openxmlformats.org/presentationml/2006/main">
-  <p:cSld>
-    <p:spTree>
-      <p:nvGrpSpPr>
-        <p:cNvPr id="1" name=""/>
-        <p:cNvGrpSpPr/>
-        <p:nvPr/>
-      </p:nvGrpSpPr>
-      <p:grpSpPr>
-        <a:xfrm>
-          <a:off x="0" y="0"/>
-          <a:ext cx="0" cy="0"/>
-          <a:chOff x="0" y="0"/>
-          <a:chExt cx="0" cy="0"/>
-        </a:xfrm>
-      </p:grpSpPr>
-      <p:sp>
-        <p:nvSpPr>
-          <p:cNvPr id="2" name="Slide Image Placeholder 1"/>
-          <p:cNvSpPr>
-            <a:spLocks noGrp="1" noRot="1" noChangeAspect="1"/>
-          </p:cNvSpPr>
-          <p:nvPr>
-            <p:ph type="sldImg"/>
-          </p:nvPr>
-        </p:nvSpPr>
-        <p:spPr/>
-      </p:sp>
-      <p:sp>
-        <p:nvSpPr>
-          <p:cNvPr id="3" name="Notes Placeholder 2"/>
-          <p:cNvSpPr>
-            <a:spLocks noGrp="1"/>
-          </p:cNvSpPr>
-          <p:nvPr>
-            <p:ph type="body" idx="1"/>
-          </p:nvPr>
-        </p:nvSpPr>
-        <p:spPr/>
-        <p:txBody>
-          <a:bodyPr/>
-          <a:lstStyle/>
-          <a:p>
-            <a:endParaRPr lang="en-US"/>
-          </a:p>
-        </p:txBody>
-      </p:sp>
-      <p:sp>
-        <p:nvSpPr>
-          <p:cNvPr id="4" name="Slide Number Placeholder 3"/>
-          <p:cNvSpPr>
-            <a:spLocks noGrp="1"/>
-          </p:cNvSpPr>
-          <p:nvPr>
-            <p:ph type="sldNum" sz="quarter" idx="5"/>
-          </p:nvPr>
-        </p:nvSpPr>
-        <p:spPr/>
-        <p:txBody>
-          <a:bodyPr/>
-          <a:lstStyle/>
-          <a:p>
-            <a:pPr>
-              <a:defRPr/>
-            </a:pPr>
-            <a:fld id="{CFC7CA5E-1C09-3A45-95A3-51BA12AE00EE}" type="slidenum">
-              <a:rPr lang="en-US" smtClean="0"/>
-              <a:pPr>
-                <a:defRPr/>
-              </a:pPr>
-              <a:t>10</a:t>
-            </a:fld>
-            <a:endParaRPr lang="en-US"/>
-          </a:p>
-        </p:txBody>
-      </p:sp>
-    </p:spTree>
-    <p:extLst>
-      <p:ext uri="{BB962C8B-B14F-4D97-AF65-F5344CB8AC3E}">
-        <p14:creationId xmlns:p14="http://schemas.microsoft.com/office/powerpoint/2010/main" val="465634176"/>
-      </p:ext>
-    </p:extLst>
-  </p:cSld>
-  <p:clrMapOvr>
-    <a:masterClrMapping/>
-  </p:clrMapOvr>
-</p:notes>
-</file>
-
-<file path=ppt/notesSlides/notesSlide11.xml><?xml version="1.0" encoding="utf-8"?>
-<p:notes xmlns:a="http://schemas.openxmlformats.org/drawingml/2006/main" xmlns:r="http://schemas.openxmlformats.org/officeDocument/2006/relationships" xmlns:p="http://schemas.openxmlformats.org/presentationml/2006/main">
-  <p:cSld>
-    <p:spTree>
-      <p:nvGrpSpPr>
-        <p:cNvPr id="1" name=""/>
-        <p:cNvGrpSpPr/>
-        <p:nvPr/>
-      </p:nvGrpSpPr>
-      <p:grpSpPr>
-        <a:xfrm>
-          <a:off x="0" y="0"/>
-          <a:ext cx="0" cy="0"/>
-          <a:chOff x="0" y="0"/>
-          <a:chExt cx="0" cy="0"/>
-        </a:xfrm>
-      </p:grpSpPr>
-      <p:sp>
-        <p:nvSpPr>
-          <p:cNvPr id="2" name="Slide Image Placeholder 1"/>
-          <p:cNvSpPr>
-            <a:spLocks noGrp="1" noRot="1" noChangeAspect="1"/>
-          </p:cNvSpPr>
-          <p:nvPr>
-            <p:ph type="sldImg"/>
-          </p:nvPr>
-        </p:nvSpPr>
-        <p:spPr/>
-      </p:sp>
-      <p:sp>
-        <p:nvSpPr>
-          <p:cNvPr id="3" name="Notes Placeholder 2"/>
-          <p:cNvSpPr>
-            <a:spLocks noGrp="1"/>
-          </p:cNvSpPr>
-          <p:nvPr>
-            <p:ph type="body" idx="1"/>
-          </p:nvPr>
-        </p:nvSpPr>
-        <p:spPr/>
-        <p:txBody>
-          <a:bodyPr/>
-          <a:lstStyle/>
-          <a:p>
-            <a:endParaRPr lang="en-US" dirty="0"/>
-          </a:p>
-        </p:txBody>
-      </p:sp>
-      <p:sp>
-        <p:nvSpPr>
-          <p:cNvPr id="4" name="Slide Number Placeholder 3"/>
-          <p:cNvSpPr>
-            <a:spLocks noGrp="1"/>
-          </p:cNvSpPr>
-          <p:nvPr>
-            <p:ph type="sldNum" sz="quarter" idx="10"/>
-          </p:nvPr>
-        </p:nvSpPr>
-        <p:spPr/>
-        <p:txBody>
-          <a:bodyPr/>
-          <a:lstStyle/>
-          <a:p>
-            <a:pPr>
-              <a:defRPr/>
-            </a:pPr>
-            <a:fld id="{CFC7CA5E-1C09-3A45-95A3-51BA12AE00EE}" type="slidenum">
-              <a:rPr lang="en-US" smtClean="0"/>
-              <a:pPr>
-                <a:defRPr/>
-              </a:pPr>
-              <a:t>11</a:t>
-            </a:fld>
-            <a:endParaRPr lang="en-US"/>
-          </a:p>
-        </p:txBody>
-      </p:sp>
-    </p:spTree>
-    <p:extLst>
-      <p:ext uri="{BB962C8B-B14F-4D97-AF65-F5344CB8AC3E}">
-        <p14:creationId xmlns:p14="http://schemas.microsoft.com/office/powerpoint/2010/main" val="938597320"/>
-      </p:ext>
-    </p:extLst>
-  </p:cSld>
-  <p:clrMapOvr>
-    <a:masterClrMapping/>
-  </p:clrMapOvr>
-</p:notes>
-</file>
-
 <file path=ppt/notesSlides/notesSlide2.xml><?xml version="1.0" encoding="utf-8"?>
 <p:notes xmlns:a="http://schemas.openxmlformats.org/drawingml/2006/main" xmlns:r="http://schemas.openxmlformats.org/officeDocument/2006/relationships" xmlns:p="http://schemas.openxmlformats.org/presentationml/2006/main">
   <p:cSld>
@@ -1595,7 +1414,7 @@
           <a:p>
             <a:fld id="{A1A632AC-BD0B-4509-8FC5-665D2937C3F4}" type="datetimeFigureOut">
               <a:rPr lang="en-US" smtClean="0"/>
-              <a:t>6/2/2020</a:t>
+              <a:t>6/4/2020</a:t>
             </a:fld>
             <a:endParaRPr lang="en-US"/>
           </a:p>
@@ -1765,7 +1584,7 @@
           <a:p>
             <a:fld id="{A1A632AC-BD0B-4509-8FC5-665D2937C3F4}" type="datetimeFigureOut">
               <a:rPr lang="en-US" smtClean="0"/>
-              <a:t>6/2/2020</a:t>
+              <a:t>6/4/2020</a:t>
             </a:fld>
             <a:endParaRPr lang="en-US"/>
           </a:p>
@@ -1945,7 +1764,7 @@
           <a:p>
             <a:fld id="{A1A632AC-BD0B-4509-8FC5-665D2937C3F4}" type="datetimeFigureOut">
               <a:rPr lang="en-US" smtClean="0"/>
-              <a:t>6/2/2020</a:t>
+              <a:t>6/4/2020</a:t>
             </a:fld>
             <a:endParaRPr lang="en-US"/>
           </a:p>
@@ -2115,7 +1934,7 @@
           <a:p>
             <a:fld id="{A1A632AC-BD0B-4509-8FC5-665D2937C3F4}" type="datetimeFigureOut">
               <a:rPr lang="en-US" smtClean="0"/>
-              <a:t>6/2/2020</a:t>
+              <a:t>6/4/2020</a:t>
             </a:fld>
             <a:endParaRPr lang="en-US"/>
           </a:p>
@@ -2361,7 +2180,7 @@
           <a:p>
             <a:fld id="{A1A632AC-BD0B-4509-8FC5-665D2937C3F4}" type="datetimeFigureOut">
               <a:rPr lang="en-US" smtClean="0"/>
-              <a:t>6/2/2020</a:t>
+              <a:t>6/4/2020</a:t>
             </a:fld>
             <a:endParaRPr lang="en-US"/>
           </a:p>
@@ -2593,7 +2412,7 @@
           <a:p>
             <a:fld id="{A1A632AC-BD0B-4509-8FC5-665D2937C3F4}" type="datetimeFigureOut">
               <a:rPr lang="en-US" smtClean="0"/>
-              <a:t>6/2/2020</a:t>
+              <a:t>6/4/2020</a:t>
             </a:fld>
             <a:endParaRPr lang="en-US"/>
           </a:p>
@@ -2960,7 +2779,7 @@
           <a:p>
             <a:fld id="{A1A632AC-BD0B-4509-8FC5-665D2937C3F4}" type="datetimeFigureOut">
               <a:rPr lang="en-US" smtClean="0"/>
-              <a:t>6/2/2020</a:t>
+              <a:t>6/4/2020</a:t>
             </a:fld>
             <a:endParaRPr lang="en-US"/>
           </a:p>
@@ -3078,7 +2897,7 @@
           <a:p>
             <a:fld id="{A1A632AC-BD0B-4509-8FC5-665D2937C3F4}" type="datetimeFigureOut">
               <a:rPr lang="en-US" smtClean="0"/>
-              <a:t>6/2/2020</a:t>
+              <a:t>6/4/2020</a:t>
             </a:fld>
             <a:endParaRPr lang="en-US"/>
           </a:p>
@@ -3173,7 +2992,7 @@
           <a:p>
             <a:fld id="{A1A632AC-BD0B-4509-8FC5-665D2937C3F4}" type="datetimeFigureOut">
               <a:rPr lang="en-US" smtClean="0"/>
-              <a:t>6/2/2020</a:t>
+              <a:t>6/4/2020</a:t>
             </a:fld>
             <a:endParaRPr lang="en-US"/>
           </a:p>
@@ -3450,7 +3269,7 @@
           <a:p>
             <a:fld id="{A1A632AC-BD0B-4509-8FC5-665D2937C3F4}" type="datetimeFigureOut">
               <a:rPr lang="en-US" smtClean="0"/>
-              <a:t>6/2/2020</a:t>
+              <a:t>6/4/2020</a:t>
             </a:fld>
             <a:endParaRPr lang="en-US"/>
           </a:p>
@@ -3703,7 +3522,7 @@
           <a:p>
             <a:fld id="{A1A632AC-BD0B-4509-8FC5-665D2937C3F4}" type="datetimeFigureOut">
               <a:rPr lang="en-US" smtClean="0"/>
-              <a:t>6/2/2020</a:t>
+              <a:t>6/4/2020</a:t>
             </a:fld>
             <a:endParaRPr lang="en-US"/>
           </a:p>
@@ -3916,7 +3735,7 @@
           <a:p>
             <a:fld id="{A1A632AC-BD0B-4509-8FC5-665D2937C3F4}" type="datetimeFigureOut">
               <a:rPr lang="en-US" smtClean="0"/>
-              <a:t>6/2/2020</a:t>
+              <a:t>6/4/2020</a:t>
             </a:fld>
             <a:endParaRPr lang="en-US"/>
           </a:p>
@@ -4326,7 +4145,7 @@
           <p:cNvPr id="2" name="Title 1">
             <a:extLst>
               <a:ext uri="{FF2B5EF4-FFF2-40B4-BE49-F238E27FC236}">
-                <a16:creationId xmlns:a16="http://schemas.microsoft.com/office/drawing/2014/main" xmlns="" id="{9DE4772B-4FEF-BE48-BB42-C66F59BBFD9F}"/>
+                <a16:creationId xmlns="" xmlns:a16="http://schemas.microsoft.com/office/drawing/2014/main" id="{9DE4772B-4FEF-BE48-BB42-C66F59BBFD9F}"/>
               </a:ext>
             </a:extLst>
           </p:cNvPr>
@@ -4354,7 +4173,7 @@
           <p:cNvPr id="3" name="Content Placeholder 2">
             <a:extLst>
               <a:ext uri="{FF2B5EF4-FFF2-40B4-BE49-F238E27FC236}">
-                <a16:creationId xmlns:a16="http://schemas.microsoft.com/office/drawing/2014/main" xmlns="" id="{5DCFC195-B6C4-C34E-A7C9-3B5C3797E236}"/>
+                <a16:creationId xmlns="" xmlns:a16="http://schemas.microsoft.com/office/drawing/2014/main" id="{5DCFC195-B6C4-C34E-A7C9-3B5C3797E236}"/>
               </a:ext>
             </a:extLst>
           </p:cNvPr>
@@ -4399,1613 +4218,6 @@
     <p:extLst>
       <p:ext uri="{BB962C8B-B14F-4D97-AF65-F5344CB8AC3E}">
         <p14:creationId xmlns:p14="http://schemas.microsoft.com/office/powerpoint/2010/main" val="2111390102"/>
-      </p:ext>
-    </p:extLst>
-  </p:cSld>
-  <p:clrMapOvr>
-    <a:masterClrMapping/>
-  </p:clrMapOvr>
-</p:sld>
-</file>
-
-<file path=ppt/slides/slide10.xml><?xml version="1.0" encoding="utf-8"?>
-<p:sld xmlns:a="http://schemas.openxmlformats.org/drawingml/2006/main" xmlns:r="http://schemas.openxmlformats.org/officeDocument/2006/relationships" xmlns:p="http://schemas.openxmlformats.org/presentationml/2006/main">
-  <p:cSld>
-    <p:spTree>
-      <p:nvGrpSpPr>
-        <p:cNvPr id="1" name=""/>
-        <p:cNvGrpSpPr/>
-        <p:nvPr/>
-      </p:nvGrpSpPr>
-      <p:grpSpPr>
-        <a:xfrm>
-          <a:off x="0" y="0"/>
-          <a:ext cx="0" cy="0"/>
-          <a:chOff x="0" y="0"/>
-          <a:chExt cx="0" cy="0"/>
-        </a:xfrm>
-      </p:grpSpPr>
-      <p:sp>
-        <p:nvSpPr>
-          <p:cNvPr id="3" name="Title 2">
-            <a:extLst>
-              <a:ext uri="{FF2B5EF4-FFF2-40B4-BE49-F238E27FC236}">
-                <a16:creationId xmlns:a16="http://schemas.microsoft.com/office/drawing/2014/main" xmlns="" id="{27AED49C-70C3-6B48-9602-76C3076DE78D}"/>
-              </a:ext>
-            </a:extLst>
-          </p:cNvPr>
-          <p:cNvSpPr>
-            <a:spLocks noGrp="1"/>
-          </p:cNvSpPr>
-          <p:nvPr>
-            <p:ph type="title"/>
-          </p:nvPr>
-        </p:nvSpPr>
-        <p:spPr/>
-        <p:txBody>
-          <a:bodyPr/>
-          <a:lstStyle/>
-          <a:p>
-            <a:r>
-              <a:rPr lang="en-US" dirty="0"/>
-              <a:t>Class assignment #2</a:t>
-            </a:r>
-          </a:p>
-        </p:txBody>
-      </p:sp>
-      <p:sp>
-        <p:nvSpPr>
-          <p:cNvPr id="4" name="Text Placeholder 3">
-            <a:extLst>
-              <a:ext uri="{FF2B5EF4-FFF2-40B4-BE49-F238E27FC236}">
-                <a16:creationId xmlns:a16="http://schemas.microsoft.com/office/drawing/2014/main" xmlns="" id="{4B0A7323-2205-E940-AB5A-791A93587B89}"/>
-              </a:ext>
-            </a:extLst>
-          </p:cNvPr>
-          <p:cNvSpPr>
-            <a:spLocks noGrp="1"/>
-          </p:cNvSpPr>
-          <p:nvPr>
-            <p:ph type="body" idx="1"/>
-          </p:nvPr>
-        </p:nvSpPr>
-        <p:spPr/>
-        <p:txBody>
-          <a:bodyPr/>
-          <a:lstStyle/>
-          <a:p>
-            <a:endParaRPr lang="en-US"/>
-          </a:p>
-        </p:txBody>
-      </p:sp>
-    </p:spTree>
-    <p:extLst>
-      <p:ext uri="{BB962C8B-B14F-4D97-AF65-F5344CB8AC3E}">
-        <p14:creationId xmlns:p14="http://schemas.microsoft.com/office/powerpoint/2010/main" val="3849581799"/>
-      </p:ext>
-    </p:extLst>
-  </p:cSld>
-  <p:clrMapOvr>
-    <a:masterClrMapping/>
-  </p:clrMapOvr>
-</p:sld>
-</file>
-
-<file path=ppt/slides/slide11.xml><?xml version="1.0" encoding="utf-8"?>
-<p:sld xmlns:a="http://schemas.openxmlformats.org/drawingml/2006/main" xmlns:r="http://schemas.openxmlformats.org/officeDocument/2006/relationships" xmlns:p="http://schemas.openxmlformats.org/presentationml/2006/main">
-  <p:cSld>
-    <p:spTree>
-      <p:nvGrpSpPr>
-        <p:cNvPr id="1" name=""/>
-        <p:cNvGrpSpPr/>
-        <p:nvPr/>
-      </p:nvGrpSpPr>
-      <p:grpSpPr>
-        <a:xfrm>
-          <a:off x="0" y="0"/>
-          <a:ext cx="0" cy="0"/>
-          <a:chOff x="0" y="0"/>
-          <a:chExt cx="0" cy="0"/>
-        </a:xfrm>
-      </p:grpSpPr>
-      <p:sp>
-        <p:nvSpPr>
-          <p:cNvPr id="2" name="Title 1">
-            <a:extLst>
-              <a:ext uri="{FF2B5EF4-FFF2-40B4-BE49-F238E27FC236}">
-                <a16:creationId xmlns:a16="http://schemas.microsoft.com/office/drawing/2014/main" xmlns="" id="{87BCD941-A81D-0947-91B4-7F5BFD71D732}"/>
-              </a:ext>
-            </a:extLst>
-          </p:cNvPr>
-          <p:cNvSpPr>
-            <a:spLocks noGrp="1"/>
-          </p:cNvSpPr>
-          <p:nvPr>
-            <p:ph type="title"/>
-          </p:nvPr>
-        </p:nvSpPr>
-        <p:spPr/>
-        <p:txBody>
-          <a:bodyPr/>
-          <a:lstStyle/>
-          <a:p>
-            <a:r>
-              <a:rPr lang="en-US" dirty="0"/>
-              <a:t>New York City bike counts</a:t>
-            </a:r>
-          </a:p>
-        </p:txBody>
-      </p:sp>
-      <p:sp>
-        <p:nvSpPr>
-          <p:cNvPr id="3" name="Content Placeholder 2">
-            <a:extLst>
-              <a:ext uri="{FF2B5EF4-FFF2-40B4-BE49-F238E27FC236}">
-                <a16:creationId xmlns:a16="http://schemas.microsoft.com/office/drawing/2014/main" xmlns="" id="{0F0EC3C9-9735-6045-8FC2-CFBD27E2ECD0}"/>
-              </a:ext>
-            </a:extLst>
-          </p:cNvPr>
-          <p:cNvSpPr>
-            <a:spLocks noGrp="1"/>
-          </p:cNvSpPr>
-          <p:nvPr>
-            <p:ph idx="1"/>
-          </p:nvPr>
-        </p:nvSpPr>
-        <p:spPr/>
-        <p:txBody>
-          <a:bodyPr>
-            <a:normAutofit/>
-          </a:bodyPr>
-          <a:lstStyle/>
-          <a:p>
-            <a:r>
-              <a:rPr lang="en-US" dirty="0"/>
-              <a:t>New York City Department of Transportation (DOT) conducts regular bike counts on the East River bridges. DOT installed automated counters, which provide continuous 24 hour data every day of the year. The dataset also contains temperature and precipitation data.</a:t>
-            </a:r>
-          </a:p>
-          <a:p>
-            <a:r>
-              <a:rPr lang="en-US" dirty="0">
-                <a:hlinkClick r:id="rId3"/>
-              </a:rPr>
-              <a:t>NYCBiking.xlsx</a:t>
-            </a:r>
-            <a:endParaRPr lang="en-US" dirty="0"/>
-          </a:p>
-          <a:p>
-            <a:endParaRPr lang="en-US" dirty="0"/>
-          </a:p>
-          <a:p>
-            <a:endParaRPr lang="en-US" dirty="0"/>
-          </a:p>
-        </p:txBody>
-      </p:sp>
-    </p:spTree>
-    <p:extLst>
-      <p:ext uri="{BB962C8B-B14F-4D97-AF65-F5344CB8AC3E}">
-        <p14:creationId xmlns:p14="http://schemas.microsoft.com/office/powerpoint/2010/main" val="2829739584"/>
-      </p:ext>
-    </p:extLst>
-  </p:cSld>
-  <p:clrMapOvr>
-    <a:masterClrMapping/>
-  </p:clrMapOvr>
-</p:sld>
-</file>
-
-<file path=ppt/slides/slide12.xml><?xml version="1.0" encoding="utf-8"?>
-<p:sld xmlns:a="http://schemas.openxmlformats.org/drawingml/2006/main" xmlns:r="http://schemas.openxmlformats.org/officeDocument/2006/relationships" xmlns:p="http://schemas.openxmlformats.org/presentationml/2006/main">
-  <p:cSld>
-    <p:spTree>
-      <p:nvGrpSpPr>
-        <p:cNvPr id="1" name=""/>
-        <p:cNvGrpSpPr/>
-        <p:nvPr/>
-      </p:nvGrpSpPr>
-      <p:grpSpPr>
-        <a:xfrm>
-          <a:off x="0" y="0"/>
-          <a:ext cx="0" cy="0"/>
-          <a:chOff x="0" y="0"/>
-          <a:chExt cx="0" cy="0"/>
-        </a:xfrm>
-      </p:grpSpPr>
-      <p:sp>
-        <p:nvSpPr>
-          <p:cNvPr id="2" name="Title 1">
-            <a:extLst>
-              <a:ext uri="{FF2B5EF4-FFF2-40B4-BE49-F238E27FC236}">
-                <a16:creationId xmlns:a16="http://schemas.microsoft.com/office/drawing/2014/main" xmlns="" id="{87BCD941-A81D-0947-91B4-7F5BFD71D732}"/>
-              </a:ext>
-            </a:extLst>
-          </p:cNvPr>
-          <p:cNvSpPr>
-            <a:spLocks noGrp="1"/>
-          </p:cNvSpPr>
-          <p:nvPr>
-            <p:ph type="title"/>
-          </p:nvPr>
-        </p:nvSpPr>
-        <p:spPr/>
-        <p:txBody>
-          <a:bodyPr/>
-          <a:lstStyle/>
-          <a:p>
-            <a:r>
-              <a:rPr lang="en-US" dirty="0"/>
-              <a:t>New York City bike counts</a:t>
-            </a:r>
-          </a:p>
-        </p:txBody>
-      </p:sp>
-      <p:sp>
-        <p:nvSpPr>
-          <p:cNvPr id="3" name="Content Placeholder 2">
-            <a:extLst>
-              <a:ext uri="{FF2B5EF4-FFF2-40B4-BE49-F238E27FC236}">
-                <a16:creationId xmlns:a16="http://schemas.microsoft.com/office/drawing/2014/main" xmlns="" id="{0F0EC3C9-9735-6045-8FC2-CFBD27E2ECD0}"/>
-              </a:ext>
-            </a:extLst>
-          </p:cNvPr>
-          <p:cNvSpPr>
-            <a:spLocks noGrp="1"/>
-          </p:cNvSpPr>
-          <p:nvPr>
-            <p:ph idx="1"/>
-          </p:nvPr>
-        </p:nvSpPr>
-        <p:spPr/>
-        <p:txBody>
-          <a:bodyPr>
-            <a:normAutofit/>
-          </a:bodyPr>
-          <a:lstStyle/>
-          <a:p>
-            <a:pPr fontAlgn="base"/>
-            <a:r>
-              <a:rPr lang="en-US" dirty="0"/>
-              <a:t>Prepare the file for analysis</a:t>
-            </a:r>
-          </a:p>
-          <a:p>
-            <a:pPr fontAlgn="base"/>
-            <a:r>
-              <a:rPr lang="en-US" dirty="0"/>
-              <a:t>Report trips into and out of Manhattan by bridge and day of the week? </a:t>
-            </a:r>
-            <a:r>
-              <a:rPr lang="en-US"/>
-              <a:t>(Pivot table)</a:t>
-            </a:r>
-            <a:endParaRPr lang="en-US" dirty="0"/>
-          </a:p>
-          <a:p>
-            <a:pPr fontAlgn="base"/>
-            <a:r>
-              <a:rPr lang="en-US" dirty="0"/>
-              <a:t>Develop a linear regression model to predict trips each day of the week for each bridge. Variable determination should result depicted in residual plot in the following slides.</a:t>
-            </a:r>
-          </a:p>
-          <a:p>
-            <a:pPr fontAlgn="base"/>
-            <a:r>
-              <a:rPr lang="en-US" dirty="0"/>
-              <a:t>Do you have any concerns with the model?</a:t>
-            </a:r>
-          </a:p>
-          <a:p>
-            <a:pPr lvl="2" fontAlgn="base"/>
-            <a:endParaRPr lang="en-US" dirty="0"/>
-          </a:p>
-          <a:p>
-            <a:endParaRPr lang="en-US" dirty="0"/>
-          </a:p>
-        </p:txBody>
-      </p:sp>
-    </p:spTree>
-    <p:extLst>
-      <p:ext uri="{BB962C8B-B14F-4D97-AF65-F5344CB8AC3E}">
-        <p14:creationId xmlns:p14="http://schemas.microsoft.com/office/powerpoint/2010/main" val="3021921677"/>
-      </p:ext>
-    </p:extLst>
-  </p:cSld>
-  <p:clrMapOvr>
-    <a:masterClrMapping/>
-  </p:clrMapOvr>
-</p:sld>
-</file>
-
-<file path=ppt/slides/slide13.xml><?xml version="1.0" encoding="utf-8"?>
-<p:sld xmlns:a="http://schemas.openxmlformats.org/drawingml/2006/main" xmlns:r="http://schemas.openxmlformats.org/officeDocument/2006/relationships" xmlns:p="http://schemas.openxmlformats.org/presentationml/2006/main">
-  <p:cSld>
-    <p:spTree>
-      <p:nvGrpSpPr>
-        <p:cNvPr id="1" name=""/>
-        <p:cNvGrpSpPr/>
-        <p:nvPr/>
-      </p:nvGrpSpPr>
-      <p:grpSpPr>
-        <a:xfrm>
-          <a:off x="0" y="0"/>
-          <a:ext cx="0" cy="0"/>
-          <a:chOff x="0" y="0"/>
-          <a:chExt cx="0" cy="0"/>
-        </a:xfrm>
-      </p:grpSpPr>
-      <p:sp>
-        <p:nvSpPr>
-          <p:cNvPr id="2" name="Title 1">
-            <a:extLst>
-              <a:ext uri="{FF2B5EF4-FFF2-40B4-BE49-F238E27FC236}">
-                <a16:creationId xmlns:a16="http://schemas.microsoft.com/office/drawing/2014/main" xmlns="" id="{9E69D7A8-6105-C449-83D9-B4ACA92BB431}"/>
-              </a:ext>
-            </a:extLst>
-          </p:cNvPr>
-          <p:cNvSpPr>
-            <a:spLocks noGrp="1"/>
-          </p:cNvSpPr>
-          <p:nvPr>
-            <p:ph type="title"/>
-          </p:nvPr>
-        </p:nvSpPr>
-        <p:spPr/>
-        <p:txBody>
-          <a:bodyPr/>
-          <a:lstStyle/>
-          <a:p>
-            <a:endParaRPr lang="en-US"/>
-          </a:p>
-        </p:txBody>
-      </p:sp>
-      <p:sp>
-        <p:nvSpPr>
-          <p:cNvPr id="3" name="Content Placeholder 2">
-            <a:extLst>
-              <a:ext uri="{FF2B5EF4-FFF2-40B4-BE49-F238E27FC236}">
-                <a16:creationId xmlns:a16="http://schemas.microsoft.com/office/drawing/2014/main" xmlns="" id="{3D80D78A-0392-3E46-8BEF-B258A3FA94B9}"/>
-              </a:ext>
-            </a:extLst>
-          </p:cNvPr>
-          <p:cNvSpPr>
-            <a:spLocks noGrp="1"/>
-          </p:cNvSpPr>
-          <p:nvPr>
-            <p:ph idx="1"/>
-          </p:nvPr>
-        </p:nvSpPr>
-        <p:spPr/>
-        <p:txBody>
-          <a:bodyPr/>
-          <a:lstStyle/>
-          <a:p>
-            <a:r>
-              <a:rPr lang="en-US" dirty="0"/>
-              <a:t>Submission – Publish your tables and charts on Exploratory. Screenshot the images and upload 1 Word file with the names of the 2 people who worked on it. Turn in the following</a:t>
-            </a:r>
-          </a:p>
-          <a:p>
-            <a:pPr lvl="1" fontAlgn="base"/>
-            <a:r>
-              <a:rPr lang="en-US" dirty="0"/>
-              <a:t>Trips Analysis -  Bridge by Day of Week</a:t>
-            </a:r>
-          </a:p>
-          <a:p>
-            <a:pPr lvl="1" fontAlgn="base"/>
-            <a:r>
-              <a:rPr lang="en-US" dirty="0"/>
-              <a:t>Linear Regression analysis and interpretation (sig + estimate)</a:t>
-            </a:r>
-          </a:p>
-          <a:p>
-            <a:pPr lvl="1" fontAlgn="base"/>
-            <a:r>
-              <a:rPr lang="en-US" dirty="0"/>
-              <a:t>Residuals Analysis (graph)</a:t>
-            </a:r>
-          </a:p>
-          <a:p>
-            <a:pPr marL="0" indent="0">
-              <a:buNone/>
-            </a:pPr>
-            <a:endParaRPr lang="en-US" dirty="0"/>
-          </a:p>
-        </p:txBody>
-      </p:sp>
-    </p:spTree>
-    <p:extLst>
-      <p:ext uri="{BB962C8B-B14F-4D97-AF65-F5344CB8AC3E}">
-        <p14:creationId xmlns:p14="http://schemas.microsoft.com/office/powerpoint/2010/main" val="1267963416"/>
-      </p:ext>
-    </p:extLst>
-  </p:cSld>
-  <p:clrMapOvr>
-    <a:masterClrMapping/>
-  </p:clrMapOvr>
-</p:sld>
-</file>
-
-<file path=ppt/slides/slide14.xml><?xml version="1.0" encoding="utf-8"?>
-<p:sld xmlns:a="http://schemas.openxmlformats.org/drawingml/2006/main" xmlns:r="http://schemas.openxmlformats.org/officeDocument/2006/relationships" xmlns:p="http://schemas.openxmlformats.org/presentationml/2006/main">
-  <p:cSld>
-    <p:spTree>
-      <p:nvGrpSpPr>
-        <p:cNvPr id="1" name=""/>
-        <p:cNvGrpSpPr/>
-        <p:nvPr/>
-      </p:nvGrpSpPr>
-      <p:grpSpPr>
-        <a:xfrm>
-          <a:off x="0" y="0"/>
-          <a:ext cx="0" cy="0"/>
-          <a:chOff x="0" y="0"/>
-          <a:chExt cx="0" cy="0"/>
-        </a:xfrm>
-      </p:grpSpPr>
-      <p:sp>
-        <p:nvSpPr>
-          <p:cNvPr id="2" name="Title 1">
-            <a:extLst>
-              <a:ext uri="{FF2B5EF4-FFF2-40B4-BE49-F238E27FC236}">
-                <a16:creationId xmlns:a16="http://schemas.microsoft.com/office/drawing/2014/main" xmlns="" id="{7B9CD07E-8EC3-F04A-8E43-5659D9C0F097}"/>
-              </a:ext>
-            </a:extLst>
-          </p:cNvPr>
-          <p:cNvSpPr>
-            <a:spLocks noGrp="1"/>
-          </p:cNvSpPr>
-          <p:nvPr>
-            <p:ph type="title"/>
-          </p:nvPr>
-        </p:nvSpPr>
-        <p:spPr/>
-        <p:txBody>
-          <a:bodyPr/>
-          <a:lstStyle/>
-          <a:p>
-            <a:r>
-              <a:rPr lang="en-US" dirty="0"/>
-              <a:t>Trips analysis</a:t>
-            </a:r>
-          </a:p>
-        </p:txBody>
-      </p:sp>
-      <p:graphicFrame>
-        <p:nvGraphicFramePr>
-          <p:cNvPr id="4" name="Content Placeholder 3">
-            <a:extLst>
-              <a:ext uri="{FF2B5EF4-FFF2-40B4-BE49-F238E27FC236}">
-                <a16:creationId xmlns:a16="http://schemas.microsoft.com/office/drawing/2014/main" xmlns="" id="{73634F4F-C741-184F-B832-C9BE82698731}"/>
-              </a:ext>
-            </a:extLst>
-          </p:cNvPr>
-          <p:cNvGraphicFramePr>
-            <a:graphicFrameLocks noGrp="1"/>
-          </p:cNvGraphicFramePr>
-          <p:nvPr>
-            <p:ph idx="1"/>
-            <p:extLst/>
-          </p:nvPr>
-        </p:nvGraphicFramePr>
-        <p:xfrm>
-          <a:off x="2152650" y="1825625"/>
-          <a:ext cx="7886696" cy="1854200"/>
-        </p:xfrm>
-        <a:graphic>
-          <a:graphicData uri="http://schemas.openxmlformats.org/drawingml/2006/table">
-            <a:tbl>
-              <a:tblPr firstRow="1" bandRow="1">
-                <a:tableStyleId>{5C22544A-7EE6-4342-B048-85BDC9FD1C3A}</a:tableStyleId>
-              </a:tblPr>
-              <a:tblGrid>
-                <a:gridCol w="985837">
-                  <a:extLst>
-                    <a:ext uri="{9D8B030D-6E8A-4147-A177-3AD203B41FA5}">
-                      <a16:colId xmlns:a16="http://schemas.microsoft.com/office/drawing/2014/main" xmlns="" val="2757602610"/>
-                    </a:ext>
-                  </a:extLst>
-                </a:gridCol>
-                <a:gridCol w="985837">
-                  <a:extLst>
-                    <a:ext uri="{9D8B030D-6E8A-4147-A177-3AD203B41FA5}">
-                      <a16:colId xmlns:a16="http://schemas.microsoft.com/office/drawing/2014/main" xmlns="" val="2721056383"/>
-                    </a:ext>
-                  </a:extLst>
-                </a:gridCol>
-                <a:gridCol w="985837">
-                  <a:extLst>
-                    <a:ext uri="{9D8B030D-6E8A-4147-A177-3AD203B41FA5}">
-                      <a16:colId xmlns:a16="http://schemas.microsoft.com/office/drawing/2014/main" xmlns="" val="917130797"/>
-                    </a:ext>
-                  </a:extLst>
-                </a:gridCol>
-                <a:gridCol w="985837">
-                  <a:extLst>
-                    <a:ext uri="{9D8B030D-6E8A-4147-A177-3AD203B41FA5}">
-                      <a16:colId xmlns:a16="http://schemas.microsoft.com/office/drawing/2014/main" xmlns="" val="3399907840"/>
-                    </a:ext>
-                  </a:extLst>
-                </a:gridCol>
-                <a:gridCol w="985837">
-                  <a:extLst>
-                    <a:ext uri="{9D8B030D-6E8A-4147-A177-3AD203B41FA5}">
-                      <a16:colId xmlns:a16="http://schemas.microsoft.com/office/drawing/2014/main" xmlns="" val="3920148530"/>
-                    </a:ext>
-                  </a:extLst>
-                </a:gridCol>
-                <a:gridCol w="985837">
-                  <a:extLst>
-                    <a:ext uri="{9D8B030D-6E8A-4147-A177-3AD203B41FA5}">
-                      <a16:colId xmlns:a16="http://schemas.microsoft.com/office/drawing/2014/main" xmlns="" val="866402694"/>
-                    </a:ext>
-                  </a:extLst>
-                </a:gridCol>
-                <a:gridCol w="985837">
-                  <a:extLst>
-                    <a:ext uri="{9D8B030D-6E8A-4147-A177-3AD203B41FA5}">
-                      <a16:colId xmlns:a16="http://schemas.microsoft.com/office/drawing/2014/main" xmlns="" val="3850966937"/>
-                    </a:ext>
-                  </a:extLst>
-                </a:gridCol>
-                <a:gridCol w="985837">
-                  <a:extLst>
-                    <a:ext uri="{9D8B030D-6E8A-4147-A177-3AD203B41FA5}">
-                      <a16:colId xmlns:a16="http://schemas.microsoft.com/office/drawing/2014/main" xmlns="" val="198408108"/>
-                    </a:ext>
-                  </a:extLst>
-                </a:gridCol>
-              </a:tblGrid>
-              <a:tr h="370840">
-                <a:tc>
-                  <a:txBody>
-                    <a:bodyPr/>
-                    <a:lstStyle/>
-                    <a:p>
-                      <a:pPr algn="l" fontAlgn="b"/>
-                      <a:r>
-                        <a:rPr lang="en-US" sz="1200" u="none" strike="noStrike" dirty="0">
-                          <a:effectLst/>
-                        </a:rPr>
-                        <a:t> Bridge </a:t>
-                      </a:r>
-                      <a:endParaRPr lang="en-US" sz="1200" b="0" i="0" u="none" strike="noStrike" dirty="0">
-                        <a:solidFill>
-                          <a:srgbClr val="000000"/>
-                        </a:solidFill>
-                        <a:effectLst/>
-                        <a:latin typeface="Calibri" panose="020F0502020204030204" pitchFamily="34" charset="0"/>
-                      </a:endParaRPr>
-                    </a:p>
-                  </a:txBody>
-                  <a:tcPr marL="9525" marR="9525" marT="9525" marB="0" anchor="b"/>
-                </a:tc>
-                <a:tc>
-                  <a:txBody>
-                    <a:bodyPr/>
-                    <a:lstStyle/>
-                    <a:p>
-                      <a:pPr algn="l" fontAlgn="b"/>
-                      <a:r>
-                        <a:rPr lang="en-US" sz="1200" u="none" strike="noStrike">
-                          <a:effectLst/>
-                        </a:rPr>
-                        <a:t>                  1 </a:t>
-                      </a:r>
-                      <a:endParaRPr lang="en-US" sz="1200" b="0" i="0" u="none" strike="noStrike">
-                        <a:solidFill>
-                          <a:srgbClr val="000000"/>
-                        </a:solidFill>
-                        <a:effectLst/>
-                        <a:latin typeface="Calibri" panose="020F0502020204030204" pitchFamily="34" charset="0"/>
-                      </a:endParaRPr>
-                    </a:p>
-                  </a:txBody>
-                  <a:tcPr marL="9525" marR="9525" marT="9525" marB="0" anchor="b"/>
-                </a:tc>
-                <a:tc>
-                  <a:txBody>
-                    <a:bodyPr/>
-                    <a:lstStyle/>
-                    <a:p>
-                      <a:pPr algn="l" fontAlgn="b"/>
-                      <a:r>
-                        <a:rPr lang="en-US" sz="1200" u="none" strike="noStrike">
-                          <a:effectLst/>
-                        </a:rPr>
-                        <a:t>                  2 </a:t>
-                      </a:r>
-                      <a:endParaRPr lang="en-US" sz="1200" b="0" i="0" u="none" strike="noStrike">
-                        <a:solidFill>
-                          <a:srgbClr val="000000"/>
-                        </a:solidFill>
-                        <a:effectLst/>
-                        <a:latin typeface="Calibri" panose="020F0502020204030204" pitchFamily="34" charset="0"/>
-                      </a:endParaRPr>
-                    </a:p>
-                  </a:txBody>
-                  <a:tcPr marL="9525" marR="9525" marT="9525" marB="0" anchor="b"/>
-                </a:tc>
-                <a:tc>
-                  <a:txBody>
-                    <a:bodyPr/>
-                    <a:lstStyle/>
-                    <a:p>
-                      <a:pPr algn="l" fontAlgn="b"/>
-                      <a:r>
-                        <a:rPr lang="en-US" sz="1200" u="none" strike="noStrike" dirty="0">
-                          <a:effectLst/>
-                        </a:rPr>
-                        <a:t>                  3 </a:t>
-                      </a:r>
-                      <a:endParaRPr lang="en-US" sz="1200" b="0" i="0" u="none" strike="noStrike" dirty="0">
-                        <a:solidFill>
-                          <a:srgbClr val="000000"/>
-                        </a:solidFill>
-                        <a:effectLst/>
-                        <a:latin typeface="Calibri" panose="020F0502020204030204" pitchFamily="34" charset="0"/>
-                      </a:endParaRPr>
-                    </a:p>
-                  </a:txBody>
-                  <a:tcPr marL="9525" marR="9525" marT="9525" marB="0" anchor="b"/>
-                </a:tc>
-                <a:tc>
-                  <a:txBody>
-                    <a:bodyPr/>
-                    <a:lstStyle/>
-                    <a:p>
-                      <a:pPr algn="l" fontAlgn="b"/>
-                      <a:r>
-                        <a:rPr lang="en-US" sz="1200" u="none" strike="noStrike">
-                          <a:effectLst/>
-                        </a:rPr>
-                        <a:t>                  4 </a:t>
-                      </a:r>
-                      <a:endParaRPr lang="en-US" sz="1200" b="0" i="0" u="none" strike="noStrike">
-                        <a:solidFill>
-                          <a:srgbClr val="000000"/>
-                        </a:solidFill>
-                        <a:effectLst/>
-                        <a:latin typeface="Calibri" panose="020F0502020204030204" pitchFamily="34" charset="0"/>
-                      </a:endParaRPr>
-                    </a:p>
-                  </a:txBody>
-                  <a:tcPr marL="9525" marR="9525" marT="9525" marB="0" anchor="b"/>
-                </a:tc>
-                <a:tc>
-                  <a:txBody>
-                    <a:bodyPr/>
-                    <a:lstStyle/>
-                    <a:p>
-                      <a:pPr algn="l" fontAlgn="b"/>
-                      <a:r>
-                        <a:rPr lang="en-US" sz="1200" u="none" strike="noStrike">
-                          <a:effectLst/>
-                        </a:rPr>
-                        <a:t>                  5 </a:t>
-                      </a:r>
-                      <a:endParaRPr lang="en-US" sz="1200" b="0" i="0" u="none" strike="noStrike">
-                        <a:solidFill>
-                          <a:srgbClr val="000000"/>
-                        </a:solidFill>
-                        <a:effectLst/>
-                        <a:latin typeface="Calibri" panose="020F0502020204030204" pitchFamily="34" charset="0"/>
-                      </a:endParaRPr>
-                    </a:p>
-                  </a:txBody>
-                  <a:tcPr marL="9525" marR="9525" marT="9525" marB="0" anchor="b"/>
-                </a:tc>
-                <a:tc>
-                  <a:txBody>
-                    <a:bodyPr/>
-                    <a:lstStyle/>
-                    <a:p>
-                      <a:pPr algn="l" fontAlgn="b"/>
-                      <a:r>
-                        <a:rPr lang="en-US" sz="1200" u="none" strike="noStrike">
-                          <a:effectLst/>
-                        </a:rPr>
-                        <a:t>                  6 </a:t>
-                      </a:r>
-                      <a:endParaRPr lang="en-US" sz="1200" b="0" i="0" u="none" strike="noStrike">
-                        <a:solidFill>
-                          <a:srgbClr val="000000"/>
-                        </a:solidFill>
-                        <a:effectLst/>
-                        <a:latin typeface="Calibri" panose="020F0502020204030204" pitchFamily="34" charset="0"/>
-                      </a:endParaRPr>
-                    </a:p>
-                  </a:txBody>
-                  <a:tcPr marL="9525" marR="9525" marT="9525" marB="0" anchor="b"/>
-                </a:tc>
-                <a:tc>
-                  <a:txBody>
-                    <a:bodyPr/>
-                    <a:lstStyle/>
-                    <a:p>
-                      <a:pPr algn="l" fontAlgn="b"/>
-                      <a:r>
-                        <a:rPr lang="en-US" sz="1200" u="none" strike="noStrike">
-                          <a:effectLst/>
-                        </a:rPr>
-                        <a:t>                  7 </a:t>
-                      </a:r>
-                      <a:endParaRPr lang="en-US" sz="1200" b="0" i="0" u="none" strike="noStrike">
-                        <a:solidFill>
-                          <a:srgbClr val="000000"/>
-                        </a:solidFill>
-                        <a:effectLst/>
-                        <a:latin typeface="Calibri" panose="020F0502020204030204" pitchFamily="34" charset="0"/>
-                      </a:endParaRPr>
-                    </a:p>
-                  </a:txBody>
-                  <a:tcPr marL="9525" marR="9525" marT="9525" marB="0" anchor="b"/>
-                </a:tc>
-                <a:extLst>
-                  <a:ext uri="{0D108BD9-81ED-4DB2-BD59-A6C34878D82A}">
-                    <a16:rowId xmlns:a16="http://schemas.microsoft.com/office/drawing/2014/main" xmlns="" val="1482429909"/>
-                  </a:ext>
-                </a:extLst>
-              </a:tr>
-              <a:tr h="370840">
-                <a:tc>
-                  <a:txBody>
-                    <a:bodyPr/>
-                    <a:lstStyle/>
-                    <a:p>
-                      <a:pPr algn="l" fontAlgn="b"/>
-                      <a:r>
-                        <a:rPr lang="en-US" sz="1200" u="none" strike="noStrike">
-                          <a:effectLst/>
-                        </a:rPr>
-                        <a:t> Brooklyn  </a:t>
-                      </a:r>
-                      <a:endParaRPr lang="en-US" sz="1200" b="0" i="0" u="none" strike="noStrike">
-                        <a:solidFill>
-                          <a:srgbClr val="000000"/>
-                        </a:solidFill>
-                        <a:effectLst/>
-                        <a:latin typeface="Calibri" panose="020F0502020204030204" pitchFamily="34" charset="0"/>
-                      </a:endParaRPr>
-                    </a:p>
-                  </a:txBody>
-                  <a:tcPr marL="9525" marR="9525" marT="9525" marB="0" anchor="b"/>
-                </a:tc>
-                <a:tc>
-                  <a:txBody>
-                    <a:bodyPr/>
-                    <a:lstStyle/>
-                    <a:p>
-                      <a:pPr algn="l" fontAlgn="b"/>
-                      <a:r>
-                        <a:rPr lang="en-US" sz="1200" u="none" strike="noStrike">
-                          <a:effectLst/>
-                        </a:rPr>
-                        <a:t>         74,976 </a:t>
-                      </a:r>
-                      <a:endParaRPr lang="en-US" sz="1200" b="0" i="0" u="none" strike="noStrike">
-                        <a:solidFill>
-                          <a:srgbClr val="000000"/>
-                        </a:solidFill>
-                        <a:effectLst/>
-                        <a:latin typeface="Calibri" panose="020F0502020204030204" pitchFamily="34" charset="0"/>
-                      </a:endParaRPr>
-                    </a:p>
-                  </a:txBody>
-                  <a:tcPr marL="9525" marR="9525" marT="9525" marB="0" anchor="b"/>
-                </a:tc>
-                <a:tc>
-                  <a:txBody>
-                    <a:bodyPr/>
-                    <a:lstStyle/>
-                    <a:p>
-                      <a:pPr algn="l" fontAlgn="b"/>
-                      <a:r>
-                        <a:rPr lang="en-US" sz="1200" u="none" strike="noStrike">
-                          <a:effectLst/>
-                        </a:rPr>
-                        <a:t>         98,293 </a:t>
-                      </a:r>
-                      <a:endParaRPr lang="en-US" sz="1200" b="0" i="0" u="none" strike="noStrike">
-                        <a:solidFill>
-                          <a:srgbClr val="000000"/>
-                        </a:solidFill>
-                        <a:effectLst/>
-                        <a:latin typeface="Calibri" panose="020F0502020204030204" pitchFamily="34" charset="0"/>
-                      </a:endParaRPr>
-                    </a:p>
-                  </a:txBody>
-                  <a:tcPr marL="9525" marR="9525" marT="9525" marB="0" anchor="b"/>
-                </a:tc>
-                <a:tc>
-                  <a:txBody>
-                    <a:bodyPr/>
-                    <a:lstStyle/>
-                    <a:p>
-                      <a:pPr algn="l" fontAlgn="b"/>
-                      <a:r>
-                        <a:rPr lang="en-US" sz="1200" u="none" strike="noStrike">
-                          <a:effectLst/>
-                        </a:rPr>
-                        <a:t>         96,882 </a:t>
-                      </a:r>
-                      <a:endParaRPr lang="en-US" sz="1200" b="0" i="0" u="none" strike="noStrike">
-                        <a:solidFill>
-                          <a:srgbClr val="000000"/>
-                        </a:solidFill>
-                        <a:effectLst/>
-                        <a:latin typeface="Calibri" panose="020F0502020204030204" pitchFamily="34" charset="0"/>
-                      </a:endParaRPr>
-                    </a:p>
-                  </a:txBody>
-                  <a:tcPr marL="9525" marR="9525" marT="9525" marB="0" anchor="b"/>
-                </a:tc>
-                <a:tc>
-                  <a:txBody>
-                    <a:bodyPr/>
-                    <a:lstStyle/>
-                    <a:p>
-                      <a:pPr algn="l" fontAlgn="b"/>
-                      <a:r>
-                        <a:rPr lang="en-US" sz="1200" u="none" strike="noStrike">
-                          <a:effectLst/>
-                        </a:rPr>
-                        <a:t>       105,796 </a:t>
-                      </a:r>
-                      <a:endParaRPr lang="en-US" sz="1200" b="0" i="0" u="none" strike="noStrike">
-                        <a:solidFill>
-                          <a:srgbClr val="000000"/>
-                        </a:solidFill>
-                        <a:effectLst/>
-                        <a:latin typeface="Calibri" panose="020F0502020204030204" pitchFamily="34" charset="0"/>
-                      </a:endParaRPr>
-                    </a:p>
-                  </a:txBody>
-                  <a:tcPr marL="9525" marR="9525" marT="9525" marB="0" anchor="b"/>
-                </a:tc>
-                <a:tc>
-                  <a:txBody>
-                    <a:bodyPr/>
-                    <a:lstStyle/>
-                    <a:p>
-                      <a:pPr algn="l" fontAlgn="b"/>
-                      <a:r>
-                        <a:rPr lang="en-US" sz="1200" u="none" strike="noStrike">
-                          <a:effectLst/>
-                        </a:rPr>
-                        <a:t>         99,524 </a:t>
-                      </a:r>
-                      <a:endParaRPr lang="en-US" sz="1200" b="0" i="0" u="none" strike="noStrike">
-                        <a:solidFill>
-                          <a:srgbClr val="000000"/>
-                        </a:solidFill>
-                        <a:effectLst/>
-                        <a:latin typeface="Calibri" panose="020F0502020204030204" pitchFamily="34" charset="0"/>
-                      </a:endParaRPr>
-                    </a:p>
-                  </a:txBody>
-                  <a:tcPr marL="9525" marR="9525" marT="9525" marB="0" anchor="b"/>
-                </a:tc>
-                <a:tc>
-                  <a:txBody>
-                    <a:bodyPr/>
-                    <a:lstStyle/>
-                    <a:p>
-                      <a:pPr algn="l" fontAlgn="b"/>
-                      <a:r>
-                        <a:rPr lang="en-US" sz="1200" u="none" strike="noStrike">
-                          <a:effectLst/>
-                        </a:rPr>
-                        <a:t>         90,949 </a:t>
-                      </a:r>
-                      <a:endParaRPr lang="en-US" sz="1200" b="0" i="0" u="none" strike="noStrike">
-                        <a:solidFill>
-                          <a:srgbClr val="000000"/>
-                        </a:solidFill>
-                        <a:effectLst/>
-                        <a:latin typeface="Calibri" panose="020F0502020204030204" pitchFamily="34" charset="0"/>
-                      </a:endParaRPr>
-                    </a:p>
-                  </a:txBody>
-                  <a:tcPr marL="9525" marR="9525" marT="9525" marB="0" anchor="b"/>
-                </a:tc>
-                <a:tc>
-                  <a:txBody>
-                    <a:bodyPr/>
-                    <a:lstStyle/>
-                    <a:p>
-                      <a:pPr algn="l" fontAlgn="b"/>
-                      <a:r>
-                        <a:rPr lang="en-US" sz="1200" u="none" strike="noStrike">
-                          <a:effectLst/>
-                        </a:rPr>
-                        <a:t>         82,150 </a:t>
-                      </a:r>
-                      <a:endParaRPr lang="en-US" sz="1200" b="0" i="0" u="none" strike="noStrike">
-                        <a:solidFill>
-                          <a:srgbClr val="000000"/>
-                        </a:solidFill>
-                        <a:effectLst/>
-                        <a:latin typeface="Calibri" panose="020F0502020204030204" pitchFamily="34" charset="0"/>
-                      </a:endParaRPr>
-                    </a:p>
-                  </a:txBody>
-                  <a:tcPr marL="9525" marR="9525" marT="9525" marB="0" anchor="b"/>
-                </a:tc>
-                <a:extLst>
-                  <a:ext uri="{0D108BD9-81ED-4DB2-BD59-A6C34878D82A}">
-                    <a16:rowId xmlns:a16="http://schemas.microsoft.com/office/drawing/2014/main" xmlns="" val="3006886686"/>
-                  </a:ext>
-                </a:extLst>
-              </a:tr>
-              <a:tr h="370840">
-                <a:tc>
-                  <a:txBody>
-                    <a:bodyPr/>
-                    <a:lstStyle/>
-                    <a:p>
-                      <a:pPr algn="l" fontAlgn="b"/>
-                      <a:r>
-                        <a:rPr lang="en-US" sz="1200" u="none" strike="noStrike">
-                          <a:effectLst/>
-                        </a:rPr>
-                        <a:t> Manhattan  </a:t>
-                      </a:r>
-                      <a:endParaRPr lang="en-US" sz="1200" b="0" i="0" u="none" strike="noStrike">
-                        <a:solidFill>
-                          <a:srgbClr val="000000"/>
-                        </a:solidFill>
-                        <a:effectLst/>
-                        <a:latin typeface="Calibri" panose="020F0502020204030204" pitchFamily="34" charset="0"/>
-                      </a:endParaRPr>
-                    </a:p>
-                  </a:txBody>
-                  <a:tcPr marL="9525" marR="9525" marT="9525" marB="0" anchor="b"/>
-                </a:tc>
-                <a:tc>
-                  <a:txBody>
-                    <a:bodyPr/>
-                    <a:lstStyle/>
-                    <a:p>
-                      <a:pPr algn="l" fontAlgn="b"/>
-                      <a:r>
-                        <a:rPr lang="en-US" sz="1200" u="none" strike="noStrike">
-                          <a:effectLst/>
-                        </a:rPr>
-                        <a:t>       119,802 </a:t>
-                      </a:r>
-                      <a:endParaRPr lang="en-US" sz="1200" b="0" i="0" u="none" strike="noStrike">
-                        <a:solidFill>
-                          <a:srgbClr val="000000"/>
-                        </a:solidFill>
-                        <a:effectLst/>
-                        <a:latin typeface="Calibri" panose="020F0502020204030204" pitchFamily="34" charset="0"/>
-                      </a:endParaRPr>
-                    </a:p>
-                  </a:txBody>
-                  <a:tcPr marL="9525" marR="9525" marT="9525" marB="0" anchor="b"/>
-                </a:tc>
-                <a:tc>
-                  <a:txBody>
-                    <a:bodyPr/>
-                    <a:lstStyle/>
-                    <a:p>
-                      <a:pPr algn="l" fontAlgn="b"/>
-                      <a:r>
-                        <a:rPr lang="en-US" sz="1200" u="none" strike="noStrike">
-                          <a:effectLst/>
-                        </a:rPr>
-                        <a:t>       167,072 </a:t>
-                      </a:r>
-                      <a:endParaRPr lang="en-US" sz="1200" b="0" i="0" u="none" strike="noStrike">
-                        <a:solidFill>
-                          <a:srgbClr val="000000"/>
-                        </a:solidFill>
-                        <a:effectLst/>
-                        <a:latin typeface="Calibri" panose="020F0502020204030204" pitchFamily="34" charset="0"/>
-                      </a:endParaRPr>
-                    </a:p>
-                  </a:txBody>
-                  <a:tcPr marL="9525" marR="9525" marT="9525" marB="0" anchor="b"/>
-                </a:tc>
-                <a:tc>
-                  <a:txBody>
-                    <a:bodyPr/>
-                    <a:lstStyle/>
-                    <a:p>
-                      <a:pPr algn="l" fontAlgn="b"/>
-                      <a:r>
-                        <a:rPr lang="en-US" sz="1200" u="none" strike="noStrike">
-                          <a:effectLst/>
-                        </a:rPr>
-                        <a:t>       172,546 </a:t>
-                      </a:r>
-                      <a:endParaRPr lang="en-US" sz="1200" b="0" i="0" u="none" strike="noStrike">
-                        <a:solidFill>
-                          <a:srgbClr val="000000"/>
-                        </a:solidFill>
-                        <a:effectLst/>
-                        <a:latin typeface="Calibri" panose="020F0502020204030204" pitchFamily="34" charset="0"/>
-                      </a:endParaRPr>
-                    </a:p>
-                  </a:txBody>
-                  <a:tcPr marL="9525" marR="9525" marT="9525" marB="0" anchor="b"/>
-                </a:tc>
-                <a:tc>
-                  <a:txBody>
-                    <a:bodyPr/>
-                    <a:lstStyle/>
-                    <a:p>
-                      <a:pPr algn="l" fontAlgn="b"/>
-                      <a:r>
-                        <a:rPr lang="en-US" sz="1200" u="none" strike="noStrike">
-                          <a:effectLst/>
-                        </a:rPr>
-                        <a:t>       182,564 </a:t>
-                      </a:r>
-                      <a:endParaRPr lang="en-US" sz="1200" b="0" i="0" u="none" strike="noStrike">
-                        <a:solidFill>
-                          <a:srgbClr val="000000"/>
-                        </a:solidFill>
-                        <a:effectLst/>
-                        <a:latin typeface="Calibri" panose="020F0502020204030204" pitchFamily="34" charset="0"/>
-                      </a:endParaRPr>
-                    </a:p>
-                  </a:txBody>
-                  <a:tcPr marL="9525" marR="9525" marT="9525" marB="0" anchor="b"/>
-                </a:tc>
-                <a:tc>
-                  <a:txBody>
-                    <a:bodyPr/>
-                    <a:lstStyle/>
-                    <a:p>
-                      <a:pPr algn="l" fontAlgn="b"/>
-                      <a:r>
-                        <a:rPr lang="en-US" sz="1200" u="none" strike="noStrike">
-                          <a:effectLst/>
-                        </a:rPr>
-                        <a:t>       167,546 </a:t>
-                      </a:r>
-                      <a:endParaRPr lang="en-US" sz="1200" b="0" i="0" u="none" strike="noStrike">
-                        <a:solidFill>
-                          <a:srgbClr val="000000"/>
-                        </a:solidFill>
-                        <a:effectLst/>
-                        <a:latin typeface="Calibri" panose="020F0502020204030204" pitchFamily="34" charset="0"/>
-                      </a:endParaRPr>
-                    </a:p>
-                  </a:txBody>
-                  <a:tcPr marL="9525" marR="9525" marT="9525" marB="0" anchor="b"/>
-                </a:tc>
-                <a:tc>
-                  <a:txBody>
-                    <a:bodyPr/>
-                    <a:lstStyle/>
-                    <a:p>
-                      <a:pPr algn="l" fontAlgn="b"/>
-                      <a:r>
-                        <a:rPr lang="en-US" sz="1200" u="none" strike="noStrike">
-                          <a:effectLst/>
-                        </a:rPr>
-                        <a:t>       148,612 </a:t>
-                      </a:r>
-                      <a:endParaRPr lang="en-US" sz="1200" b="0" i="0" u="none" strike="noStrike">
-                        <a:solidFill>
-                          <a:srgbClr val="000000"/>
-                        </a:solidFill>
-                        <a:effectLst/>
-                        <a:latin typeface="Calibri" panose="020F0502020204030204" pitchFamily="34" charset="0"/>
-                      </a:endParaRPr>
-                    </a:p>
-                  </a:txBody>
-                  <a:tcPr marL="9525" marR="9525" marT="9525" marB="0" anchor="b"/>
-                </a:tc>
-                <a:tc>
-                  <a:txBody>
-                    <a:bodyPr/>
-                    <a:lstStyle/>
-                    <a:p>
-                      <a:pPr algn="l" fontAlgn="b"/>
-                      <a:r>
-                        <a:rPr lang="en-US" sz="1200" u="none" strike="noStrike">
-                          <a:effectLst/>
-                        </a:rPr>
-                        <a:t>       123,036 </a:t>
-                      </a:r>
-                      <a:endParaRPr lang="en-US" sz="1200" b="0" i="0" u="none" strike="noStrike">
-                        <a:solidFill>
-                          <a:srgbClr val="000000"/>
-                        </a:solidFill>
-                        <a:effectLst/>
-                        <a:latin typeface="Calibri" panose="020F0502020204030204" pitchFamily="34" charset="0"/>
-                      </a:endParaRPr>
-                    </a:p>
-                  </a:txBody>
-                  <a:tcPr marL="9525" marR="9525" marT="9525" marB="0" anchor="b"/>
-                </a:tc>
-                <a:extLst>
-                  <a:ext uri="{0D108BD9-81ED-4DB2-BD59-A6C34878D82A}">
-                    <a16:rowId xmlns:a16="http://schemas.microsoft.com/office/drawing/2014/main" xmlns="" val="1221728825"/>
-                  </a:ext>
-                </a:extLst>
-              </a:tr>
-              <a:tr h="370840">
-                <a:tc>
-                  <a:txBody>
-                    <a:bodyPr/>
-                    <a:lstStyle/>
-                    <a:p>
-                      <a:pPr algn="l" fontAlgn="b"/>
-                      <a:r>
-                        <a:rPr lang="en-US" sz="1200" u="none" strike="noStrike">
-                          <a:effectLst/>
-                        </a:rPr>
-                        <a:t> Queensboro  </a:t>
-                      </a:r>
-                      <a:endParaRPr lang="en-US" sz="1200" b="0" i="0" u="none" strike="noStrike">
-                        <a:solidFill>
-                          <a:srgbClr val="000000"/>
-                        </a:solidFill>
-                        <a:effectLst/>
-                        <a:latin typeface="Calibri" panose="020F0502020204030204" pitchFamily="34" charset="0"/>
-                      </a:endParaRPr>
-                    </a:p>
-                  </a:txBody>
-                  <a:tcPr marL="9525" marR="9525" marT="9525" marB="0" anchor="b"/>
-                </a:tc>
-                <a:tc>
-                  <a:txBody>
-                    <a:bodyPr/>
-                    <a:lstStyle/>
-                    <a:p>
-                      <a:pPr algn="l" fontAlgn="b"/>
-                      <a:r>
-                        <a:rPr lang="en-US" sz="1200" u="none" strike="noStrike">
-                          <a:effectLst/>
-                        </a:rPr>
-                        <a:t>         95,959 </a:t>
-                      </a:r>
-                      <a:endParaRPr lang="en-US" sz="1200" b="0" i="0" u="none" strike="noStrike">
-                        <a:solidFill>
-                          <a:srgbClr val="000000"/>
-                        </a:solidFill>
-                        <a:effectLst/>
-                        <a:latin typeface="Calibri" panose="020F0502020204030204" pitchFamily="34" charset="0"/>
-                      </a:endParaRPr>
-                    </a:p>
-                  </a:txBody>
-                  <a:tcPr marL="9525" marR="9525" marT="9525" marB="0" anchor="b"/>
-                </a:tc>
-                <a:tc>
-                  <a:txBody>
-                    <a:bodyPr/>
-                    <a:lstStyle/>
-                    <a:p>
-                      <a:pPr algn="l" fontAlgn="b"/>
-                      <a:r>
-                        <a:rPr lang="en-US" sz="1200" u="none" strike="noStrike">
-                          <a:effectLst/>
-                        </a:rPr>
-                        <a:t>       137,135 </a:t>
-                      </a:r>
-                      <a:endParaRPr lang="en-US" sz="1200" b="0" i="0" u="none" strike="noStrike">
-                        <a:solidFill>
-                          <a:srgbClr val="000000"/>
-                        </a:solidFill>
-                        <a:effectLst/>
-                        <a:latin typeface="Calibri" panose="020F0502020204030204" pitchFamily="34" charset="0"/>
-                      </a:endParaRPr>
-                    </a:p>
-                  </a:txBody>
-                  <a:tcPr marL="9525" marR="9525" marT="9525" marB="0" anchor="b"/>
-                </a:tc>
-                <a:tc>
-                  <a:txBody>
-                    <a:bodyPr/>
-                    <a:lstStyle/>
-                    <a:p>
-                      <a:pPr algn="l" fontAlgn="b"/>
-                      <a:r>
-                        <a:rPr lang="en-US" sz="1200" u="none" strike="noStrike">
-                          <a:effectLst/>
-                        </a:rPr>
-                        <a:t>       142,701 </a:t>
-                      </a:r>
-                      <a:endParaRPr lang="en-US" sz="1200" b="0" i="0" u="none" strike="noStrike">
-                        <a:solidFill>
-                          <a:srgbClr val="000000"/>
-                        </a:solidFill>
-                        <a:effectLst/>
-                        <a:latin typeface="Calibri" panose="020F0502020204030204" pitchFamily="34" charset="0"/>
-                      </a:endParaRPr>
-                    </a:p>
-                  </a:txBody>
-                  <a:tcPr marL="9525" marR="9525" marT="9525" marB="0" anchor="b"/>
-                </a:tc>
-                <a:tc>
-                  <a:txBody>
-                    <a:bodyPr/>
-                    <a:lstStyle/>
-                    <a:p>
-                      <a:pPr algn="l" fontAlgn="b"/>
-                      <a:r>
-                        <a:rPr lang="en-US" sz="1200" u="none" strike="noStrike">
-                          <a:effectLst/>
-                        </a:rPr>
-                        <a:t>       156,830 </a:t>
-                      </a:r>
-                      <a:endParaRPr lang="en-US" sz="1200" b="0" i="0" u="none" strike="noStrike">
-                        <a:solidFill>
-                          <a:srgbClr val="000000"/>
-                        </a:solidFill>
-                        <a:effectLst/>
-                        <a:latin typeface="Calibri" panose="020F0502020204030204" pitchFamily="34" charset="0"/>
-                      </a:endParaRPr>
-                    </a:p>
-                  </a:txBody>
-                  <a:tcPr marL="9525" marR="9525" marT="9525" marB="0" anchor="b"/>
-                </a:tc>
-                <a:tc>
-                  <a:txBody>
-                    <a:bodyPr/>
-                    <a:lstStyle/>
-                    <a:p>
-                      <a:pPr algn="l" fontAlgn="b"/>
-                      <a:r>
-                        <a:rPr lang="en-US" sz="1200" u="none" strike="noStrike">
-                          <a:effectLst/>
-                        </a:rPr>
-                        <a:t>       146,057 </a:t>
-                      </a:r>
-                      <a:endParaRPr lang="en-US" sz="1200" b="0" i="0" u="none" strike="noStrike">
-                        <a:solidFill>
-                          <a:srgbClr val="000000"/>
-                        </a:solidFill>
-                        <a:effectLst/>
-                        <a:latin typeface="Calibri" panose="020F0502020204030204" pitchFamily="34" charset="0"/>
-                      </a:endParaRPr>
-                    </a:p>
-                  </a:txBody>
-                  <a:tcPr marL="9525" marR="9525" marT="9525" marB="0" anchor="b"/>
-                </a:tc>
-                <a:tc>
-                  <a:txBody>
-                    <a:bodyPr/>
-                    <a:lstStyle/>
-                    <a:p>
-                      <a:pPr algn="l" fontAlgn="b"/>
-                      <a:r>
-                        <a:rPr lang="en-US" sz="1200" u="none" strike="noStrike">
-                          <a:effectLst/>
-                        </a:rPr>
-                        <a:t>       131,761 </a:t>
-                      </a:r>
-                      <a:endParaRPr lang="en-US" sz="1200" b="0" i="0" u="none" strike="noStrike">
-                        <a:solidFill>
-                          <a:srgbClr val="000000"/>
-                        </a:solidFill>
-                        <a:effectLst/>
-                        <a:latin typeface="Calibri" panose="020F0502020204030204" pitchFamily="34" charset="0"/>
-                      </a:endParaRPr>
-                    </a:p>
-                  </a:txBody>
-                  <a:tcPr marL="9525" marR="9525" marT="9525" marB="0" anchor="b"/>
-                </a:tc>
-                <a:tc>
-                  <a:txBody>
-                    <a:bodyPr/>
-                    <a:lstStyle/>
-                    <a:p>
-                      <a:pPr algn="l" fontAlgn="b"/>
-                      <a:r>
-                        <a:rPr lang="en-US" sz="1200" u="none" strike="noStrike">
-                          <a:effectLst/>
-                        </a:rPr>
-                        <a:t>       109,912 </a:t>
-                      </a:r>
-                      <a:endParaRPr lang="en-US" sz="1200" b="0" i="0" u="none" strike="noStrike">
-                        <a:solidFill>
-                          <a:srgbClr val="000000"/>
-                        </a:solidFill>
-                        <a:effectLst/>
-                        <a:latin typeface="Calibri" panose="020F0502020204030204" pitchFamily="34" charset="0"/>
-                      </a:endParaRPr>
-                    </a:p>
-                  </a:txBody>
-                  <a:tcPr marL="9525" marR="9525" marT="9525" marB="0" anchor="b"/>
-                </a:tc>
-                <a:extLst>
-                  <a:ext uri="{0D108BD9-81ED-4DB2-BD59-A6C34878D82A}">
-                    <a16:rowId xmlns:a16="http://schemas.microsoft.com/office/drawing/2014/main" xmlns="" val="2924238217"/>
-                  </a:ext>
-                </a:extLst>
-              </a:tr>
-              <a:tr h="370840">
-                <a:tc>
-                  <a:txBody>
-                    <a:bodyPr/>
-                    <a:lstStyle/>
-                    <a:p>
-                      <a:pPr algn="l" fontAlgn="b"/>
-                      <a:r>
-                        <a:rPr lang="en-US" sz="1200" u="none" strike="noStrike">
-                          <a:effectLst/>
-                        </a:rPr>
-                        <a:t> Williamsburg  </a:t>
-                      </a:r>
-                      <a:endParaRPr lang="en-US" sz="1200" b="0" i="0" u="none" strike="noStrike">
-                        <a:solidFill>
-                          <a:srgbClr val="000000"/>
-                        </a:solidFill>
-                        <a:effectLst/>
-                        <a:latin typeface="Calibri" panose="020F0502020204030204" pitchFamily="34" charset="0"/>
-                      </a:endParaRPr>
-                    </a:p>
-                  </a:txBody>
-                  <a:tcPr marL="9525" marR="9525" marT="9525" marB="0" anchor="b"/>
-                </a:tc>
-                <a:tc>
-                  <a:txBody>
-                    <a:bodyPr/>
-                    <a:lstStyle/>
-                    <a:p>
-                      <a:pPr algn="l" fontAlgn="b"/>
-                      <a:r>
-                        <a:rPr lang="en-US" sz="1200" u="none" strike="noStrike">
-                          <a:effectLst/>
-                        </a:rPr>
-                        <a:t>       134,471 </a:t>
-                      </a:r>
-                      <a:endParaRPr lang="en-US" sz="1200" b="0" i="0" u="none" strike="noStrike">
-                        <a:solidFill>
-                          <a:srgbClr val="000000"/>
-                        </a:solidFill>
-                        <a:effectLst/>
-                        <a:latin typeface="Calibri" panose="020F0502020204030204" pitchFamily="34" charset="0"/>
-                      </a:endParaRPr>
-                    </a:p>
-                  </a:txBody>
-                  <a:tcPr marL="9525" marR="9525" marT="9525" marB="0" anchor="b"/>
-                </a:tc>
-                <a:tc>
-                  <a:txBody>
-                    <a:bodyPr/>
-                    <a:lstStyle/>
-                    <a:p>
-                      <a:pPr algn="l" fontAlgn="b"/>
-                      <a:r>
-                        <a:rPr lang="en-US" sz="1200" u="none" strike="noStrike">
-                          <a:effectLst/>
-                        </a:rPr>
-                        <a:t>       198,705 </a:t>
-                      </a:r>
-                      <a:endParaRPr lang="en-US" sz="1200" b="0" i="0" u="none" strike="noStrike">
-                        <a:solidFill>
-                          <a:srgbClr val="000000"/>
-                        </a:solidFill>
-                        <a:effectLst/>
-                        <a:latin typeface="Calibri" panose="020F0502020204030204" pitchFamily="34" charset="0"/>
-                      </a:endParaRPr>
-                    </a:p>
-                  </a:txBody>
-                  <a:tcPr marL="9525" marR="9525" marT="9525" marB="0" anchor="b"/>
-                </a:tc>
-                <a:tc>
-                  <a:txBody>
-                    <a:bodyPr/>
-                    <a:lstStyle/>
-                    <a:p>
-                      <a:pPr algn="l" fontAlgn="b"/>
-                      <a:r>
-                        <a:rPr lang="en-US" sz="1200" u="none" strike="noStrike" dirty="0">
-                          <a:effectLst/>
-                        </a:rPr>
-                        <a:t>       211,339 </a:t>
-                      </a:r>
-                      <a:endParaRPr lang="en-US" sz="1200" b="0" i="0" u="none" strike="noStrike" dirty="0">
-                        <a:solidFill>
-                          <a:srgbClr val="000000"/>
-                        </a:solidFill>
-                        <a:effectLst/>
-                        <a:latin typeface="Calibri" panose="020F0502020204030204" pitchFamily="34" charset="0"/>
-                      </a:endParaRPr>
-                    </a:p>
-                  </a:txBody>
-                  <a:tcPr marL="9525" marR="9525" marT="9525" marB="0" anchor="b"/>
-                </a:tc>
-                <a:tc>
-                  <a:txBody>
-                    <a:bodyPr/>
-                    <a:lstStyle/>
-                    <a:p>
-                      <a:pPr algn="l" fontAlgn="b"/>
-                      <a:r>
-                        <a:rPr lang="en-US" sz="1200" u="none" strike="noStrike">
-                          <a:effectLst/>
-                        </a:rPr>
-                        <a:t>       227,478 </a:t>
-                      </a:r>
-                      <a:endParaRPr lang="en-US" sz="1200" b="0" i="0" u="none" strike="noStrike">
-                        <a:solidFill>
-                          <a:srgbClr val="000000"/>
-                        </a:solidFill>
-                        <a:effectLst/>
-                        <a:latin typeface="Calibri" panose="020F0502020204030204" pitchFamily="34" charset="0"/>
-                      </a:endParaRPr>
-                    </a:p>
-                  </a:txBody>
-                  <a:tcPr marL="9525" marR="9525" marT="9525" marB="0" anchor="b"/>
-                </a:tc>
-                <a:tc>
-                  <a:txBody>
-                    <a:bodyPr/>
-                    <a:lstStyle/>
-                    <a:p>
-                      <a:pPr algn="l" fontAlgn="b"/>
-                      <a:r>
-                        <a:rPr lang="en-US" sz="1200" u="none" strike="noStrike">
-                          <a:effectLst/>
-                        </a:rPr>
-                        <a:t>       210,312 </a:t>
-                      </a:r>
-                      <a:endParaRPr lang="en-US" sz="1200" b="0" i="0" u="none" strike="noStrike">
-                        <a:solidFill>
-                          <a:srgbClr val="000000"/>
-                        </a:solidFill>
-                        <a:effectLst/>
-                        <a:latin typeface="Calibri" panose="020F0502020204030204" pitchFamily="34" charset="0"/>
-                      </a:endParaRPr>
-                    </a:p>
-                  </a:txBody>
-                  <a:tcPr marL="9525" marR="9525" marT="9525" marB="0" anchor="b"/>
-                </a:tc>
-                <a:tc>
-                  <a:txBody>
-                    <a:bodyPr/>
-                    <a:lstStyle/>
-                    <a:p>
-                      <a:pPr algn="l" fontAlgn="b"/>
-                      <a:r>
-                        <a:rPr lang="en-US" sz="1200" u="none" strike="noStrike">
-                          <a:effectLst/>
-                        </a:rPr>
-                        <a:t>       186,200 </a:t>
-                      </a:r>
-                      <a:endParaRPr lang="en-US" sz="1200" b="0" i="0" u="none" strike="noStrike">
-                        <a:solidFill>
-                          <a:srgbClr val="000000"/>
-                        </a:solidFill>
-                        <a:effectLst/>
-                        <a:latin typeface="Calibri" panose="020F0502020204030204" pitchFamily="34" charset="0"/>
-                      </a:endParaRPr>
-                    </a:p>
-                  </a:txBody>
-                  <a:tcPr marL="9525" marR="9525" marT="9525" marB="0" anchor="b"/>
-                </a:tc>
-                <a:tc>
-                  <a:txBody>
-                    <a:bodyPr/>
-                    <a:lstStyle/>
-                    <a:p>
-                      <a:pPr algn="l" fontAlgn="b"/>
-                      <a:r>
-                        <a:rPr lang="en-US" sz="1200" u="none" strike="noStrike" dirty="0">
-                          <a:effectLst/>
-                        </a:rPr>
-                        <a:t>       149,922 </a:t>
-                      </a:r>
-                      <a:endParaRPr lang="en-US" sz="1200" b="0" i="0" u="none" strike="noStrike" dirty="0">
-                        <a:solidFill>
-                          <a:srgbClr val="000000"/>
-                        </a:solidFill>
-                        <a:effectLst/>
-                        <a:latin typeface="Calibri" panose="020F0502020204030204" pitchFamily="34" charset="0"/>
-                      </a:endParaRPr>
-                    </a:p>
-                  </a:txBody>
-                  <a:tcPr marL="9525" marR="9525" marT="9525" marB="0" anchor="b"/>
-                </a:tc>
-                <a:extLst>
-                  <a:ext uri="{0D108BD9-81ED-4DB2-BD59-A6C34878D82A}">
-                    <a16:rowId xmlns:a16="http://schemas.microsoft.com/office/drawing/2014/main" xmlns="" val="1570644960"/>
-                  </a:ext>
-                </a:extLst>
-              </a:tr>
-            </a:tbl>
-          </a:graphicData>
-        </a:graphic>
-      </p:graphicFrame>
-    </p:spTree>
-    <p:extLst>
-      <p:ext uri="{BB962C8B-B14F-4D97-AF65-F5344CB8AC3E}">
-        <p14:creationId xmlns:p14="http://schemas.microsoft.com/office/powerpoint/2010/main" val="3910811759"/>
-      </p:ext>
-    </p:extLst>
-  </p:cSld>
-  <p:clrMapOvr>
-    <a:masterClrMapping/>
-  </p:clrMapOvr>
-</p:sld>
-</file>
-
-<file path=ppt/slides/slide15.xml><?xml version="1.0" encoding="utf-8"?>
-<p:sld xmlns:a="http://schemas.openxmlformats.org/drawingml/2006/main" xmlns:r="http://schemas.openxmlformats.org/officeDocument/2006/relationships" xmlns:p="http://schemas.openxmlformats.org/presentationml/2006/main">
-  <p:cSld>
-    <p:spTree>
-      <p:nvGrpSpPr>
-        <p:cNvPr id="1" name=""/>
-        <p:cNvGrpSpPr/>
-        <p:nvPr/>
-      </p:nvGrpSpPr>
-      <p:grpSpPr>
-        <a:xfrm>
-          <a:off x="0" y="0"/>
-          <a:ext cx="0" cy="0"/>
-          <a:chOff x="0" y="0"/>
-          <a:chExt cx="0" cy="0"/>
-        </a:xfrm>
-      </p:grpSpPr>
-      <p:sp>
-        <p:nvSpPr>
-          <p:cNvPr id="2" name="Title 1">
-            <a:extLst>
-              <a:ext uri="{FF2B5EF4-FFF2-40B4-BE49-F238E27FC236}">
-                <a16:creationId xmlns:a16="http://schemas.microsoft.com/office/drawing/2014/main" xmlns="" id="{9215F31A-A7B2-FF43-A065-C01A3166DF7C}"/>
-              </a:ext>
-            </a:extLst>
-          </p:cNvPr>
-          <p:cNvSpPr>
-            <a:spLocks noGrp="1"/>
-          </p:cNvSpPr>
-          <p:nvPr>
-            <p:ph type="title"/>
-          </p:nvPr>
-        </p:nvSpPr>
-        <p:spPr/>
-        <p:txBody>
-          <a:bodyPr/>
-          <a:lstStyle/>
-          <a:p>
-            <a:r>
-              <a:rPr lang="en-US" dirty="0"/>
-              <a:t>Residuals analysis</a:t>
-            </a:r>
-          </a:p>
-        </p:txBody>
-      </p:sp>
-      <p:pic>
-        <p:nvPicPr>
-          <p:cNvPr id="5" name="Content Placeholder 4">
-            <a:extLst>
-              <a:ext uri="{FF2B5EF4-FFF2-40B4-BE49-F238E27FC236}">
-                <a16:creationId xmlns:a16="http://schemas.microsoft.com/office/drawing/2014/main" xmlns="" id="{BAB0722B-5998-D44B-8680-25756DA77A02}"/>
-              </a:ext>
-            </a:extLst>
-          </p:cNvPr>
-          <p:cNvPicPr>
-            <a:picLocks noGrp="1" noChangeAspect="1"/>
-          </p:cNvPicPr>
-          <p:nvPr>
-            <p:ph idx="1"/>
-          </p:nvPr>
-        </p:nvPicPr>
-        <p:blipFill>
-          <a:blip r:embed="rId2"/>
-          <a:stretch>
-            <a:fillRect/>
-          </a:stretch>
-        </p:blipFill>
-        <p:spPr>
-          <a:xfrm>
-            <a:off x="2832497" y="1825625"/>
-            <a:ext cx="6527007" cy="4351338"/>
-          </a:xfrm>
-        </p:spPr>
-      </p:pic>
-    </p:spTree>
-    <p:extLst>
-      <p:ext uri="{BB962C8B-B14F-4D97-AF65-F5344CB8AC3E}">
-        <p14:creationId xmlns:p14="http://schemas.microsoft.com/office/powerpoint/2010/main" val="2428643463"/>
       </p:ext>
     </p:extLst>
   </p:cSld>
@@ -6037,7 +4249,7 @@
           <p:cNvPr id="2" name="Title 1">
             <a:extLst>
               <a:ext uri="{FF2B5EF4-FFF2-40B4-BE49-F238E27FC236}">
-                <a16:creationId xmlns:a16="http://schemas.microsoft.com/office/drawing/2014/main" xmlns="" id="{103CF8CF-EA0C-314D-A9A4-6721277AEAB1}"/>
+                <a16:creationId xmlns="" xmlns:a16="http://schemas.microsoft.com/office/drawing/2014/main" id="{103CF8CF-EA0C-314D-A9A4-6721277AEAB1}"/>
               </a:ext>
             </a:extLst>
           </p:cNvPr>
@@ -6073,7 +4285,7 @@
           <p:cNvPr id="3" name="Content Placeholder 2">
             <a:extLst>
               <a:ext uri="{FF2B5EF4-FFF2-40B4-BE49-F238E27FC236}">
-                <a16:creationId xmlns:a16="http://schemas.microsoft.com/office/drawing/2014/main" xmlns="" id="{124E9360-6C4B-3344-AD4F-DEA46B75F542}"/>
+                <a16:creationId xmlns="" xmlns:a16="http://schemas.microsoft.com/office/drawing/2014/main" id="{124E9360-6C4B-3344-AD4F-DEA46B75F542}"/>
               </a:ext>
             </a:extLst>
           </p:cNvPr>
@@ -6182,7 +4394,7 @@
           <p:cNvPr id="2" name="Title 1">
             <a:extLst>
               <a:ext uri="{FF2B5EF4-FFF2-40B4-BE49-F238E27FC236}">
-                <a16:creationId xmlns:a16="http://schemas.microsoft.com/office/drawing/2014/main" xmlns="" id="{276773F8-EBBE-5F4D-B7B9-B21AEA588734}"/>
+                <a16:creationId xmlns="" xmlns:a16="http://schemas.microsoft.com/office/drawing/2014/main" id="{276773F8-EBBE-5F4D-B7B9-B21AEA588734}"/>
               </a:ext>
             </a:extLst>
           </p:cNvPr>
@@ -6207,7 +4419,7 @@
           <p:cNvPr id="5" name="Content Placeholder 4">
             <a:extLst>
               <a:ext uri="{FF2B5EF4-FFF2-40B4-BE49-F238E27FC236}">
-                <a16:creationId xmlns:a16="http://schemas.microsoft.com/office/drawing/2014/main" xmlns="" id="{8C4A34E0-84B5-BC4A-86B5-2AF66FBC8BC7}"/>
+                <a16:creationId xmlns="" xmlns:a16="http://schemas.microsoft.com/office/drawing/2014/main" id="{8C4A34E0-84B5-BC4A-86B5-2AF66FBC8BC7}"/>
               </a:ext>
             </a:extLst>
           </p:cNvPr>
@@ -6266,7 +4478,7 @@
           <p:cNvPr id="2" name="Title 1">
             <a:extLst>
               <a:ext uri="{FF2B5EF4-FFF2-40B4-BE49-F238E27FC236}">
-                <a16:creationId xmlns:a16="http://schemas.microsoft.com/office/drawing/2014/main" xmlns="" id="{103CF8CF-EA0C-314D-A9A4-6721277AEAB1}"/>
+                <a16:creationId xmlns="" xmlns:a16="http://schemas.microsoft.com/office/drawing/2014/main" id="{103CF8CF-EA0C-314D-A9A4-6721277AEAB1}"/>
               </a:ext>
             </a:extLst>
           </p:cNvPr>
@@ -6294,7 +4506,7 @@
           <p:cNvPr id="3" name="Content Placeholder 2">
             <a:extLst>
               <a:ext uri="{FF2B5EF4-FFF2-40B4-BE49-F238E27FC236}">
-                <a16:creationId xmlns:a16="http://schemas.microsoft.com/office/drawing/2014/main" xmlns="" id="{124E9360-6C4B-3344-AD4F-DEA46B75F542}"/>
+                <a16:creationId xmlns="" xmlns:a16="http://schemas.microsoft.com/office/drawing/2014/main" id="{124E9360-6C4B-3344-AD4F-DEA46B75F542}"/>
               </a:ext>
             </a:extLst>
           </p:cNvPr>
@@ -6365,7 +4577,7 @@
           <p:cNvPr id="2" name="Title 1">
             <a:extLst>
               <a:ext uri="{FF2B5EF4-FFF2-40B4-BE49-F238E27FC236}">
-                <a16:creationId xmlns:a16="http://schemas.microsoft.com/office/drawing/2014/main" xmlns="" id="{B818173D-7425-7840-B153-32670026C465}"/>
+                <a16:creationId xmlns="" xmlns:a16="http://schemas.microsoft.com/office/drawing/2014/main" id="{B818173D-7425-7840-B153-32670026C465}"/>
               </a:ext>
             </a:extLst>
           </p:cNvPr>
@@ -6390,7 +4602,7 @@
           <p:cNvPr id="5" name="Content Placeholder 4">
             <a:extLst>
               <a:ext uri="{FF2B5EF4-FFF2-40B4-BE49-F238E27FC236}">
-                <a16:creationId xmlns:a16="http://schemas.microsoft.com/office/drawing/2014/main" xmlns="" id="{2F13574A-4053-5644-AD6F-2C511DD1AC00}"/>
+                <a16:creationId xmlns="" xmlns:a16="http://schemas.microsoft.com/office/drawing/2014/main" id="{2F13574A-4053-5644-AD6F-2C511DD1AC00}"/>
               </a:ext>
             </a:extLst>
           </p:cNvPr>
@@ -6449,7 +4661,7 @@
           <p:cNvPr id="2" name="Title 1">
             <a:extLst>
               <a:ext uri="{FF2B5EF4-FFF2-40B4-BE49-F238E27FC236}">
-                <a16:creationId xmlns:a16="http://schemas.microsoft.com/office/drawing/2014/main" xmlns="" id="{103CF8CF-EA0C-314D-A9A4-6721277AEAB1}"/>
+                <a16:creationId xmlns="" xmlns:a16="http://schemas.microsoft.com/office/drawing/2014/main" id="{103CF8CF-EA0C-314D-A9A4-6721277AEAB1}"/>
               </a:ext>
             </a:extLst>
           </p:cNvPr>
@@ -6477,7 +4689,7 @@
           <p:cNvPr id="3" name="Content Placeholder 2">
             <a:extLst>
               <a:ext uri="{FF2B5EF4-FFF2-40B4-BE49-F238E27FC236}">
-                <a16:creationId xmlns:a16="http://schemas.microsoft.com/office/drawing/2014/main" xmlns="" id="{124E9360-6C4B-3344-AD4F-DEA46B75F542}"/>
+                <a16:creationId xmlns="" xmlns:a16="http://schemas.microsoft.com/office/drawing/2014/main" id="{124E9360-6C4B-3344-AD4F-DEA46B75F542}"/>
               </a:ext>
             </a:extLst>
           </p:cNvPr>
@@ -6534,7 +4746,7 @@
           <p:cNvPr id="4" name="Table 3">
             <a:extLst>
               <a:ext uri="{FF2B5EF4-FFF2-40B4-BE49-F238E27FC236}">
-                <a16:creationId xmlns:a16="http://schemas.microsoft.com/office/drawing/2014/main" xmlns="" id="{5DDB5544-0AD6-3B44-9249-DA412F4FCA23}"/>
+                <a16:creationId xmlns="" xmlns:a16="http://schemas.microsoft.com/office/drawing/2014/main" id="{5DDB5544-0AD6-3B44-9249-DA412F4FCA23}"/>
               </a:ext>
             </a:extLst>
           </p:cNvPr>
@@ -6559,21 +4771,21 @@
                 <a:gridCol w="1126069">
                   <a:extLst>
                     <a:ext uri="{9D8B030D-6E8A-4147-A177-3AD203B41FA5}">
-                      <a16:colId xmlns:a16="http://schemas.microsoft.com/office/drawing/2014/main" xmlns="" val="28942864"/>
+                      <a16:colId xmlns="" xmlns:a16="http://schemas.microsoft.com/office/drawing/2014/main" val="28942864"/>
                     </a:ext>
                   </a:extLst>
                 </a:gridCol>
                 <a:gridCol w="1126069">
                   <a:extLst>
                     <a:ext uri="{9D8B030D-6E8A-4147-A177-3AD203B41FA5}">
-                      <a16:colId xmlns:a16="http://schemas.microsoft.com/office/drawing/2014/main" xmlns="" val="3324125868"/>
+                      <a16:colId xmlns="" xmlns:a16="http://schemas.microsoft.com/office/drawing/2014/main" val="3324125868"/>
                     </a:ext>
                   </a:extLst>
                 </a:gridCol>
                 <a:gridCol w="1126912">
                   <a:extLst>
                     <a:ext uri="{9D8B030D-6E8A-4147-A177-3AD203B41FA5}">
-                      <a16:colId xmlns:a16="http://schemas.microsoft.com/office/drawing/2014/main" xmlns="" val="256262741"/>
+                      <a16:colId xmlns="" xmlns:a16="http://schemas.microsoft.com/office/drawing/2014/main" val="256262741"/>
                     </a:ext>
                   </a:extLst>
                 </a:gridCol>
@@ -6641,7 +4853,7 @@
                 </a:tc>
                 <a:extLst>
                   <a:ext uri="{0D108BD9-81ED-4DB2-BD59-A6C34878D82A}">
-                    <a16:rowId xmlns:a16="http://schemas.microsoft.com/office/drawing/2014/main" xmlns="" val="1908374748"/>
+                    <a16:rowId xmlns="" xmlns:a16="http://schemas.microsoft.com/office/drawing/2014/main" val="1908374748"/>
                   </a:ext>
                 </a:extLst>
               </a:tr>
@@ -6717,7 +4929,7 @@
                 </a:tc>
                 <a:extLst>
                   <a:ext uri="{0D108BD9-81ED-4DB2-BD59-A6C34878D82A}">
-                    <a16:rowId xmlns:a16="http://schemas.microsoft.com/office/drawing/2014/main" xmlns="" val="3020121802"/>
+                    <a16:rowId xmlns="" xmlns:a16="http://schemas.microsoft.com/office/drawing/2014/main" val="3020121802"/>
                   </a:ext>
                 </a:extLst>
               </a:tr>
@@ -6793,7 +5005,7 @@
                 </a:tc>
                 <a:extLst>
                   <a:ext uri="{0D108BD9-81ED-4DB2-BD59-A6C34878D82A}">
-                    <a16:rowId xmlns:a16="http://schemas.microsoft.com/office/drawing/2014/main" xmlns="" val="3601610207"/>
+                    <a16:rowId xmlns="" xmlns:a16="http://schemas.microsoft.com/office/drawing/2014/main" val="3601610207"/>
                   </a:ext>
                 </a:extLst>
               </a:tr>
@@ -6869,7 +5081,7 @@
                 </a:tc>
                 <a:extLst>
                   <a:ext uri="{0D108BD9-81ED-4DB2-BD59-A6C34878D82A}">
-                    <a16:rowId xmlns:a16="http://schemas.microsoft.com/office/drawing/2014/main" xmlns="" val="3046780261"/>
+                    <a16:rowId xmlns="" xmlns:a16="http://schemas.microsoft.com/office/drawing/2014/main" val="3046780261"/>
                   </a:ext>
                 </a:extLst>
               </a:tr>
@@ -6945,7 +5157,7 @@
                 </a:tc>
                 <a:extLst>
                   <a:ext uri="{0D108BD9-81ED-4DB2-BD59-A6C34878D82A}">
-                    <a16:rowId xmlns:a16="http://schemas.microsoft.com/office/drawing/2014/main" xmlns="" val="3658945695"/>
+                    <a16:rowId xmlns="" xmlns:a16="http://schemas.microsoft.com/office/drawing/2014/main" val="3658945695"/>
                   </a:ext>
                 </a:extLst>
               </a:tr>
@@ -7021,7 +5233,7 @@
                 </a:tc>
                 <a:extLst>
                   <a:ext uri="{0D108BD9-81ED-4DB2-BD59-A6C34878D82A}">
-                    <a16:rowId xmlns:a16="http://schemas.microsoft.com/office/drawing/2014/main" xmlns="" val="63185578"/>
+                    <a16:rowId xmlns="" xmlns:a16="http://schemas.microsoft.com/office/drawing/2014/main" val="63185578"/>
                   </a:ext>
                 </a:extLst>
               </a:tr>
@@ -7064,7 +5276,7 @@
           <p:cNvPr id="2" name="Title 1">
             <a:extLst>
               <a:ext uri="{FF2B5EF4-FFF2-40B4-BE49-F238E27FC236}">
-                <a16:creationId xmlns:a16="http://schemas.microsoft.com/office/drawing/2014/main" xmlns="" id="{103CF8CF-EA0C-314D-A9A4-6721277AEAB1}"/>
+                <a16:creationId xmlns="" xmlns:a16="http://schemas.microsoft.com/office/drawing/2014/main" id="{103CF8CF-EA0C-314D-A9A4-6721277AEAB1}"/>
               </a:ext>
             </a:extLst>
           </p:cNvPr>
@@ -7092,7 +5304,7 @@
           <p:cNvPr id="3" name="Content Placeholder 2">
             <a:extLst>
               <a:ext uri="{FF2B5EF4-FFF2-40B4-BE49-F238E27FC236}">
-                <a16:creationId xmlns:a16="http://schemas.microsoft.com/office/drawing/2014/main" xmlns="" id="{124E9360-6C4B-3344-AD4F-DEA46B75F542}"/>
+                <a16:creationId xmlns="" xmlns:a16="http://schemas.microsoft.com/office/drawing/2014/main" id="{124E9360-6C4B-3344-AD4F-DEA46B75F542}"/>
               </a:ext>
             </a:extLst>
           </p:cNvPr>
@@ -7211,7 +5423,7 @@
           <p:cNvPr id="3" name="Picture 2">
             <a:extLst>
               <a:ext uri="{FF2B5EF4-FFF2-40B4-BE49-F238E27FC236}">
-                <a16:creationId xmlns:a16="http://schemas.microsoft.com/office/drawing/2014/main" xmlns="" id="{EF9F0F2E-D5FA-3D4D-AE99-95A681CFC196}"/>
+                <a16:creationId xmlns="" xmlns:a16="http://schemas.microsoft.com/office/drawing/2014/main" id="{EF9F0F2E-D5FA-3D4D-AE99-95A681CFC196}"/>
               </a:ext>
             </a:extLst>
           </p:cNvPr>
@@ -7271,7 +5483,7 @@
           <p:cNvPr id="2" name="Title 1">
             <a:extLst>
               <a:ext uri="{FF2B5EF4-FFF2-40B4-BE49-F238E27FC236}">
-                <a16:creationId xmlns:a16="http://schemas.microsoft.com/office/drawing/2014/main" xmlns="" id="{73F7058B-62A9-5647-9E6C-4937123AB6E0}"/>
+                <a16:creationId xmlns="" xmlns:a16="http://schemas.microsoft.com/office/drawing/2014/main" id="{73F7058B-62A9-5647-9E6C-4937123AB6E0}"/>
               </a:ext>
             </a:extLst>
           </p:cNvPr>
@@ -7299,7 +5511,7 @@
           <p:cNvPr id="3" name="Content Placeholder 2">
             <a:extLst>
               <a:ext uri="{FF2B5EF4-FFF2-40B4-BE49-F238E27FC236}">
-                <a16:creationId xmlns:a16="http://schemas.microsoft.com/office/drawing/2014/main" xmlns="" id="{877506E6-F9C5-874B-9CD2-2A2F44C7265F}"/>
+                <a16:creationId xmlns="" xmlns:a16="http://schemas.microsoft.com/office/drawing/2014/main" id="{877506E6-F9C5-874B-9CD2-2A2F44C7265F}"/>
               </a:ext>
             </a:extLst>
           </p:cNvPr>

--- a/Explanatory analytics.pptx
+++ b/Explanatory analytics.pptx
@@ -205,7 +205,7 @@
           <a:p>
             <a:fld id="{68842421-BAA1-49CE-A160-8B5821AF3898}" type="datetimeFigureOut">
               <a:rPr lang="en-US" smtClean="0"/>
-              <a:t>6/4/2020</a:t>
+              <a:t>6/5/2020</a:t>
             </a:fld>
             <a:endParaRPr lang="en-US"/>
           </a:p>
@@ -1414,7 +1414,7 @@
           <a:p>
             <a:fld id="{A1A632AC-BD0B-4509-8FC5-665D2937C3F4}" type="datetimeFigureOut">
               <a:rPr lang="en-US" smtClean="0"/>
-              <a:t>6/4/2020</a:t>
+              <a:t>6/5/2020</a:t>
             </a:fld>
             <a:endParaRPr lang="en-US"/>
           </a:p>
@@ -1584,7 +1584,7 @@
           <a:p>
             <a:fld id="{A1A632AC-BD0B-4509-8FC5-665D2937C3F4}" type="datetimeFigureOut">
               <a:rPr lang="en-US" smtClean="0"/>
-              <a:t>6/4/2020</a:t>
+              <a:t>6/5/2020</a:t>
             </a:fld>
             <a:endParaRPr lang="en-US"/>
           </a:p>
@@ -1764,7 +1764,7 @@
           <a:p>
             <a:fld id="{A1A632AC-BD0B-4509-8FC5-665D2937C3F4}" type="datetimeFigureOut">
               <a:rPr lang="en-US" smtClean="0"/>
-              <a:t>6/4/2020</a:t>
+              <a:t>6/5/2020</a:t>
             </a:fld>
             <a:endParaRPr lang="en-US"/>
           </a:p>
@@ -1934,7 +1934,7 @@
           <a:p>
             <a:fld id="{A1A632AC-BD0B-4509-8FC5-665D2937C3F4}" type="datetimeFigureOut">
               <a:rPr lang="en-US" smtClean="0"/>
-              <a:t>6/4/2020</a:t>
+              <a:t>6/5/2020</a:t>
             </a:fld>
             <a:endParaRPr lang="en-US"/>
           </a:p>
@@ -2180,7 +2180,7 @@
           <a:p>
             <a:fld id="{A1A632AC-BD0B-4509-8FC5-665D2937C3F4}" type="datetimeFigureOut">
               <a:rPr lang="en-US" smtClean="0"/>
-              <a:t>6/4/2020</a:t>
+              <a:t>6/5/2020</a:t>
             </a:fld>
             <a:endParaRPr lang="en-US"/>
           </a:p>
@@ -2412,7 +2412,7 @@
           <a:p>
             <a:fld id="{A1A632AC-BD0B-4509-8FC5-665D2937C3F4}" type="datetimeFigureOut">
               <a:rPr lang="en-US" smtClean="0"/>
-              <a:t>6/4/2020</a:t>
+              <a:t>6/5/2020</a:t>
             </a:fld>
             <a:endParaRPr lang="en-US"/>
           </a:p>
@@ -2779,7 +2779,7 @@
           <a:p>
             <a:fld id="{A1A632AC-BD0B-4509-8FC5-665D2937C3F4}" type="datetimeFigureOut">
               <a:rPr lang="en-US" smtClean="0"/>
-              <a:t>6/4/2020</a:t>
+              <a:t>6/5/2020</a:t>
             </a:fld>
             <a:endParaRPr lang="en-US"/>
           </a:p>
@@ -2897,7 +2897,7 @@
           <a:p>
             <a:fld id="{A1A632AC-BD0B-4509-8FC5-665D2937C3F4}" type="datetimeFigureOut">
               <a:rPr lang="en-US" smtClean="0"/>
-              <a:t>6/4/2020</a:t>
+              <a:t>6/5/2020</a:t>
             </a:fld>
             <a:endParaRPr lang="en-US"/>
           </a:p>
@@ -2992,7 +2992,7 @@
           <a:p>
             <a:fld id="{A1A632AC-BD0B-4509-8FC5-665D2937C3F4}" type="datetimeFigureOut">
               <a:rPr lang="en-US" smtClean="0"/>
-              <a:t>6/4/2020</a:t>
+              <a:t>6/5/2020</a:t>
             </a:fld>
             <a:endParaRPr lang="en-US"/>
           </a:p>
@@ -3269,7 +3269,7 @@
           <a:p>
             <a:fld id="{A1A632AC-BD0B-4509-8FC5-665D2937C3F4}" type="datetimeFigureOut">
               <a:rPr lang="en-US" smtClean="0"/>
-              <a:t>6/4/2020</a:t>
+              <a:t>6/5/2020</a:t>
             </a:fld>
             <a:endParaRPr lang="en-US"/>
           </a:p>
@@ -3522,7 +3522,7 @@
           <a:p>
             <a:fld id="{A1A632AC-BD0B-4509-8FC5-665D2937C3F4}" type="datetimeFigureOut">
               <a:rPr lang="en-US" smtClean="0"/>
-              <a:t>6/4/2020</a:t>
+              <a:t>6/5/2020</a:t>
             </a:fld>
             <a:endParaRPr lang="en-US"/>
           </a:p>
@@ -3735,7 +3735,7 @@
           <a:p>
             <a:fld id="{A1A632AC-BD0B-4509-8FC5-665D2937C3F4}" type="datetimeFigureOut">
               <a:rPr lang="en-US" smtClean="0"/>
-              <a:t>6/4/2020</a:t>
+              <a:t>6/5/2020</a:t>
             </a:fld>
             <a:endParaRPr lang="en-US"/>
           </a:p>
@@ -4145,7 +4145,7 @@
           <p:cNvPr id="2" name="Title 1">
             <a:extLst>
               <a:ext uri="{FF2B5EF4-FFF2-40B4-BE49-F238E27FC236}">
-                <a16:creationId xmlns="" xmlns:a16="http://schemas.microsoft.com/office/drawing/2014/main" id="{9DE4772B-4FEF-BE48-BB42-C66F59BBFD9F}"/>
+                <a16:creationId xmlns:a16="http://schemas.microsoft.com/office/drawing/2014/main" xmlns="" id="{9DE4772B-4FEF-BE48-BB42-C66F59BBFD9F}"/>
               </a:ext>
             </a:extLst>
           </p:cNvPr>
@@ -4173,7 +4173,7 @@
           <p:cNvPr id="3" name="Content Placeholder 2">
             <a:extLst>
               <a:ext uri="{FF2B5EF4-FFF2-40B4-BE49-F238E27FC236}">
-                <a16:creationId xmlns="" xmlns:a16="http://schemas.microsoft.com/office/drawing/2014/main" id="{5DCFC195-B6C4-C34E-A7C9-3B5C3797E236}"/>
+                <a16:creationId xmlns:a16="http://schemas.microsoft.com/office/drawing/2014/main" xmlns="" id="{5DCFC195-B6C4-C34E-A7C9-3B5C3797E236}"/>
               </a:ext>
             </a:extLst>
           </p:cNvPr>
@@ -4249,7 +4249,7 @@
           <p:cNvPr id="2" name="Title 1">
             <a:extLst>
               <a:ext uri="{FF2B5EF4-FFF2-40B4-BE49-F238E27FC236}">
-                <a16:creationId xmlns="" xmlns:a16="http://schemas.microsoft.com/office/drawing/2014/main" id="{103CF8CF-EA0C-314D-A9A4-6721277AEAB1}"/>
+                <a16:creationId xmlns:a16="http://schemas.microsoft.com/office/drawing/2014/main" xmlns="" id="{103CF8CF-EA0C-314D-A9A4-6721277AEAB1}"/>
               </a:ext>
             </a:extLst>
           </p:cNvPr>
@@ -4285,7 +4285,7 @@
           <p:cNvPr id="3" name="Content Placeholder 2">
             <a:extLst>
               <a:ext uri="{FF2B5EF4-FFF2-40B4-BE49-F238E27FC236}">
-                <a16:creationId xmlns="" xmlns:a16="http://schemas.microsoft.com/office/drawing/2014/main" id="{124E9360-6C4B-3344-AD4F-DEA46B75F542}"/>
+                <a16:creationId xmlns:a16="http://schemas.microsoft.com/office/drawing/2014/main" xmlns="" id="{124E9360-6C4B-3344-AD4F-DEA46B75F542}"/>
               </a:ext>
             </a:extLst>
           </p:cNvPr>
@@ -4394,7 +4394,7 @@
           <p:cNvPr id="2" name="Title 1">
             <a:extLst>
               <a:ext uri="{FF2B5EF4-FFF2-40B4-BE49-F238E27FC236}">
-                <a16:creationId xmlns="" xmlns:a16="http://schemas.microsoft.com/office/drawing/2014/main" id="{276773F8-EBBE-5F4D-B7B9-B21AEA588734}"/>
+                <a16:creationId xmlns:a16="http://schemas.microsoft.com/office/drawing/2014/main" xmlns="" id="{276773F8-EBBE-5F4D-B7B9-B21AEA588734}"/>
               </a:ext>
             </a:extLst>
           </p:cNvPr>
@@ -4419,7 +4419,7 @@
           <p:cNvPr id="5" name="Content Placeholder 4">
             <a:extLst>
               <a:ext uri="{FF2B5EF4-FFF2-40B4-BE49-F238E27FC236}">
-                <a16:creationId xmlns="" xmlns:a16="http://schemas.microsoft.com/office/drawing/2014/main" id="{8C4A34E0-84B5-BC4A-86B5-2AF66FBC8BC7}"/>
+                <a16:creationId xmlns:a16="http://schemas.microsoft.com/office/drawing/2014/main" xmlns="" id="{8C4A34E0-84B5-BC4A-86B5-2AF66FBC8BC7}"/>
               </a:ext>
             </a:extLst>
           </p:cNvPr>
@@ -4478,7 +4478,7 @@
           <p:cNvPr id="2" name="Title 1">
             <a:extLst>
               <a:ext uri="{FF2B5EF4-FFF2-40B4-BE49-F238E27FC236}">
-                <a16:creationId xmlns="" xmlns:a16="http://schemas.microsoft.com/office/drawing/2014/main" id="{103CF8CF-EA0C-314D-A9A4-6721277AEAB1}"/>
+                <a16:creationId xmlns:a16="http://schemas.microsoft.com/office/drawing/2014/main" xmlns="" id="{103CF8CF-EA0C-314D-A9A4-6721277AEAB1}"/>
               </a:ext>
             </a:extLst>
           </p:cNvPr>
@@ -4506,7 +4506,7 @@
           <p:cNvPr id="3" name="Content Placeholder 2">
             <a:extLst>
               <a:ext uri="{FF2B5EF4-FFF2-40B4-BE49-F238E27FC236}">
-                <a16:creationId xmlns="" xmlns:a16="http://schemas.microsoft.com/office/drawing/2014/main" id="{124E9360-6C4B-3344-AD4F-DEA46B75F542}"/>
+                <a16:creationId xmlns:a16="http://schemas.microsoft.com/office/drawing/2014/main" xmlns="" id="{124E9360-6C4B-3344-AD4F-DEA46B75F542}"/>
               </a:ext>
             </a:extLst>
           </p:cNvPr>
@@ -4577,7 +4577,7 @@
           <p:cNvPr id="2" name="Title 1">
             <a:extLst>
               <a:ext uri="{FF2B5EF4-FFF2-40B4-BE49-F238E27FC236}">
-                <a16:creationId xmlns="" xmlns:a16="http://schemas.microsoft.com/office/drawing/2014/main" id="{B818173D-7425-7840-B153-32670026C465}"/>
+                <a16:creationId xmlns:a16="http://schemas.microsoft.com/office/drawing/2014/main" xmlns="" id="{B818173D-7425-7840-B153-32670026C465}"/>
               </a:ext>
             </a:extLst>
           </p:cNvPr>
@@ -4602,7 +4602,7 @@
           <p:cNvPr id="5" name="Content Placeholder 4">
             <a:extLst>
               <a:ext uri="{FF2B5EF4-FFF2-40B4-BE49-F238E27FC236}">
-                <a16:creationId xmlns="" xmlns:a16="http://schemas.microsoft.com/office/drawing/2014/main" id="{2F13574A-4053-5644-AD6F-2C511DD1AC00}"/>
+                <a16:creationId xmlns:a16="http://schemas.microsoft.com/office/drawing/2014/main" xmlns="" id="{2F13574A-4053-5644-AD6F-2C511DD1AC00}"/>
               </a:ext>
             </a:extLst>
           </p:cNvPr>
@@ -4661,7 +4661,7 @@
           <p:cNvPr id="2" name="Title 1">
             <a:extLst>
               <a:ext uri="{FF2B5EF4-FFF2-40B4-BE49-F238E27FC236}">
-                <a16:creationId xmlns="" xmlns:a16="http://schemas.microsoft.com/office/drawing/2014/main" id="{103CF8CF-EA0C-314D-A9A4-6721277AEAB1}"/>
+                <a16:creationId xmlns:a16="http://schemas.microsoft.com/office/drawing/2014/main" xmlns="" id="{103CF8CF-EA0C-314D-A9A4-6721277AEAB1}"/>
               </a:ext>
             </a:extLst>
           </p:cNvPr>
@@ -4689,7 +4689,7 @@
           <p:cNvPr id="3" name="Content Placeholder 2">
             <a:extLst>
               <a:ext uri="{FF2B5EF4-FFF2-40B4-BE49-F238E27FC236}">
-                <a16:creationId xmlns="" xmlns:a16="http://schemas.microsoft.com/office/drawing/2014/main" id="{124E9360-6C4B-3344-AD4F-DEA46B75F542}"/>
+                <a16:creationId xmlns:a16="http://schemas.microsoft.com/office/drawing/2014/main" xmlns="" id="{124E9360-6C4B-3344-AD4F-DEA46B75F542}"/>
               </a:ext>
             </a:extLst>
           </p:cNvPr>
@@ -4746,7 +4746,7 @@
           <p:cNvPr id="4" name="Table 3">
             <a:extLst>
               <a:ext uri="{FF2B5EF4-FFF2-40B4-BE49-F238E27FC236}">
-                <a16:creationId xmlns="" xmlns:a16="http://schemas.microsoft.com/office/drawing/2014/main" id="{5DDB5544-0AD6-3B44-9249-DA412F4FCA23}"/>
+                <a16:creationId xmlns:a16="http://schemas.microsoft.com/office/drawing/2014/main" xmlns="" id="{5DDB5544-0AD6-3B44-9249-DA412F4FCA23}"/>
               </a:ext>
             </a:extLst>
           </p:cNvPr>
@@ -4771,21 +4771,21 @@
                 <a:gridCol w="1126069">
                   <a:extLst>
                     <a:ext uri="{9D8B030D-6E8A-4147-A177-3AD203B41FA5}">
-                      <a16:colId xmlns="" xmlns:a16="http://schemas.microsoft.com/office/drawing/2014/main" val="28942864"/>
+                      <a16:colId xmlns:a16="http://schemas.microsoft.com/office/drawing/2014/main" xmlns="" val="28942864"/>
                     </a:ext>
                   </a:extLst>
                 </a:gridCol>
                 <a:gridCol w="1126069">
                   <a:extLst>
                     <a:ext uri="{9D8B030D-6E8A-4147-A177-3AD203B41FA5}">
-                      <a16:colId xmlns="" xmlns:a16="http://schemas.microsoft.com/office/drawing/2014/main" val="3324125868"/>
+                      <a16:colId xmlns:a16="http://schemas.microsoft.com/office/drawing/2014/main" xmlns="" val="3324125868"/>
                     </a:ext>
                   </a:extLst>
                 </a:gridCol>
                 <a:gridCol w="1126912">
                   <a:extLst>
                     <a:ext uri="{9D8B030D-6E8A-4147-A177-3AD203B41FA5}">
-                      <a16:colId xmlns="" xmlns:a16="http://schemas.microsoft.com/office/drawing/2014/main" val="256262741"/>
+                      <a16:colId xmlns:a16="http://schemas.microsoft.com/office/drawing/2014/main" xmlns="" val="256262741"/>
                     </a:ext>
                   </a:extLst>
                 </a:gridCol>
@@ -4853,7 +4853,7 @@
                 </a:tc>
                 <a:extLst>
                   <a:ext uri="{0D108BD9-81ED-4DB2-BD59-A6C34878D82A}">
-                    <a16:rowId xmlns="" xmlns:a16="http://schemas.microsoft.com/office/drawing/2014/main" val="1908374748"/>
+                    <a16:rowId xmlns:a16="http://schemas.microsoft.com/office/drawing/2014/main" xmlns="" val="1908374748"/>
                   </a:ext>
                 </a:extLst>
               </a:tr>
@@ -4929,7 +4929,7 @@
                 </a:tc>
                 <a:extLst>
                   <a:ext uri="{0D108BD9-81ED-4DB2-BD59-A6C34878D82A}">
-                    <a16:rowId xmlns="" xmlns:a16="http://schemas.microsoft.com/office/drawing/2014/main" val="3020121802"/>
+                    <a16:rowId xmlns:a16="http://schemas.microsoft.com/office/drawing/2014/main" xmlns="" val="3020121802"/>
                   </a:ext>
                 </a:extLst>
               </a:tr>
@@ -5005,7 +5005,7 @@
                 </a:tc>
                 <a:extLst>
                   <a:ext uri="{0D108BD9-81ED-4DB2-BD59-A6C34878D82A}">
-                    <a16:rowId xmlns="" xmlns:a16="http://schemas.microsoft.com/office/drawing/2014/main" val="3601610207"/>
+                    <a16:rowId xmlns:a16="http://schemas.microsoft.com/office/drawing/2014/main" xmlns="" val="3601610207"/>
                   </a:ext>
                 </a:extLst>
               </a:tr>
@@ -5081,7 +5081,7 @@
                 </a:tc>
                 <a:extLst>
                   <a:ext uri="{0D108BD9-81ED-4DB2-BD59-A6C34878D82A}">
-                    <a16:rowId xmlns="" xmlns:a16="http://schemas.microsoft.com/office/drawing/2014/main" val="3046780261"/>
+                    <a16:rowId xmlns:a16="http://schemas.microsoft.com/office/drawing/2014/main" xmlns="" val="3046780261"/>
                   </a:ext>
                 </a:extLst>
               </a:tr>
@@ -5157,7 +5157,7 @@
                 </a:tc>
                 <a:extLst>
                   <a:ext uri="{0D108BD9-81ED-4DB2-BD59-A6C34878D82A}">
-                    <a16:rowId xmlns="" xmlns:a16="http://schemas.microsoft.com/office/drawing/2014/main" val="3658945695"/>
+                    <a16:rowId xmlns:a16="http://schemas.microsoft.com/office/drawing/2014/main" xmlns="" val="3658945695"/>
                   </a:ext>
                 </a:extLst>
               </a:tr>
@@ -5233,7 +5233,7 @@
                 </a:tc>
                 <a:extLst>
                   <a:ext uri="{0D108BD9-81ED-4DB2-BD59-A6C34878D82A}">
-                    <a16:rowId xmlns="" xmlns:a16="http://schemas.microsoft.com/office/drawing/2014/main" val="63185578"/>
+                    <a16:rowId xmlns:a16="http://schemas.microsoft.com/office/drawing/2014/main" xmlns="" val="63185578"/>
                   </a:ext>
                 </a:extLst>
               </a:tr>
@@ -5276,7 +5276,7 @@
           <p:cNvPr id="2" name="Title 1">
             <a:extLst>
               <a:ext uri="{FF2B5EF4-FFF2-40B4-BE49-F238E27FC236}">
-                <a16:creationId xmlns="" xmlns:a16="http://schemas.microsoft.com/office/drawing/2014/main" id="{103CF8CF-EA0C-314D-A9A4-6721277AEAB1}"/>
+                <a16:creationId xmlns:a16="http://schemas.microsoft.com/office/drawing/2014/main" xmlns="" id="{103CF8CF-EA0C-314D-A9A4-6721277AEAB1}"/>
               </a:ext>
             </a:extLst>
           </p:cNvPr>
@@ -5304,7 +5304,7 @@
           <p:cNvPr id="3" name="Content Placeholder 2">
             <a:extLst>
               <a:ext uri="{FF2B5EF4-FFF2-40B4-BE49-F238E27FC236}">
-                <a16:creationId xmlns="" xmlns:a16="http://schemas.microsoft.com/office/drawing/2014/main" id="{124E9360-6C4B-3344-AD4F-DEA46B75F542}"/>
+                <a16:creationId xmlns:a16="http://schemas.microsoft.com/office/drawing/2014/main" xmlns="" id="{124E9360-6C4B-3344-AD4F-DEA46B75F542}"/>
               </a:ext>
             </a:extLst>
           </p:cNvPr>
@@ -5423,7 +5423,7 @@
           <p:cNvPr id="3" name="Picture 2">
             <a:extLst>
               <a:ext uri="{FF2B5EF4-FFF2-40B4-BE49-F238E27FC236}">
-                <a16:creationId xmlns="" xmlns:a16="http://schemas.microsoft.com/office/drawing/2014/main" id="{EF9F0F2E-D5FA-3D4D-AE99-95A681CFC196}"/>
+                <a16:creationId xmlns:a16="http://schemas.microsoft.com/office/drawing/2014/main" xmlns="" id="{EF9F0F2E-D5FA-3D4D-AE99-95A681CFC196}"/>
               </a:ext>
             </a:extLst>
           </p:cNvPr>
@@ -5483,7 +5483,7 @@
           <p:cNvPr id="2" name="Title 1">
             <a:extLst>
               <a:ext uri="{FF2B5EF4-FFF2-40B4-BE49-F238E27FC236}">
-                <a16:creationId xmlns="" xmlns:a16="http://schemas.microsoft.com/office/drawing/2014/main" id="{73F7058B-62A9-5647-9E6C-4937123AB6E0}"/>
+                <a16:creationId xmlns:a16="http://schemas.microsoft.com/office/drawing/2014/main" xmlns="" id="{73F7058B-62A9-5647-9E6C-4937123AB6E0}"/>
               </a:ext>
             </a:extLst>
           </p:cNvPr>
@@ -5511,7 +5511,7 @@
           <p:cNvPr id="3" name="Content Placeholder 2">
             <a:extLst>
               <a:ext uri="{FF2B5EF4-FFF2-40B4-BE49-F238E27FC236}">
-                <a16:creationId xmlns="" xmlns:a16="http://schemas.microsoft.com/office/drawing/2014/main" id="{877506E6-F9C5-874B-9CD2-2A2F44C7265F}"/>
+                <a16:creationId xmlns:a16="http://schemas.microsoft.com/office/drawing/2014/main" xmlns="" id="{877506E6-F9C5-874B-9CD2-2A2F44C7265F}"/>
               </a:ext>
             </a:extLst>
           </p:cNvPr>
